--- a/Team 11 presentation.pptx
+++ b/Team 11 presentation.pptx
@@ -191,387 +191,6 @@
 </p1510:revInfo>
 </file>
 
-<file path=ppt/changesInfos/changesInfo1.xml><?xml version="1.0" encoding="utf-8"?>
-<pc:chgInfo xmlns:a="http://schemas.openxmlformats.org/drawingml/2006/main" xmlns:r="http://schemas.openxmlformats.org/officeDocument/2006/relationships" xmlns:ac="http://schemas.microsoft.com/office/drawing/2013/main/command" xmlns:pc="http://schemas.microsoft.com/office/powerpoint/2013/main/command">
-  <pc:docChgLst>
-    <pc:chgData name="Zhongzhou Yang" userId="5e0fe9c0bb0cee2d" providerId="LiveId" clId="{FCA1176D-77A4-0F4F-AF74-717614B80A7F}"/>
-    <pc:docChg chg="undo custSel delSld modSld addSection delSection modSection">
-      <pc:chgData name="Zhongzhou Yang" userId="5e0fe9c0bb0cee2d" providerId="LiveId" clId="{FCA1176D-77A4-0F4F-AF74-717614B80A7F}" dt="2023-08-08T08:04:57.841" v="235" actId="1035"/>
-      <pc:docMkLst>
-        <pc:docMk/>
-      </pc:docMkLst>
-      <pc:sldChg chg="del">
-        <pc:chgData name="Zhongzhou Yang" userId="5e0fe9c0bb0cee2d" providerId="LiveId" clId="{FCA1176D-77A4-0F4F-AF74-717614B80A7F}" dt="2023-08-08T07:52:59.235" v="61" actId="18676"/>
-        <pc:sldMkLst>
-          <pc:docMk/>
-          <pc:sldMk cId="0" sldId="259"/>
-        </pc:sldMkLst>
-      </pc:sldChg>
-      <pc:sldChg chg="del">
-        <pc:chgData name="Zhongzhou Yang" userId="5e0fe9c0bb0cee2d" providerId="LiveId" clId="{FCA1176D-77A4-0F4F-AF74-717614B80A7F}" dt="2023-08-08T07:52:59.235" v="61" actId="18676"/>
-        <pc:sldMkLst>
-          <pc:docMk/>
-          <pc:sldMk cId="2604557431" sldId="266"/>
-        </pc:sldMkLst>
-      </pc:sldChg>
-      <pc:sldChg chg="del">
-        <pc:chgData name="Zhongzhou Yang" userId="5e0fe9c0bb0cee2d" providerId="LiveId" clId="{FCA1176D-77A4-0F4F-AF74-717614B80A7F}" dt="2023-08-08T07:52:59.235" v="61" actId="18676"/>
-        <pc:sldMkLst>
-          <pc:docMk/>
-          <pc:sldMk cId="1843809255" sldId="267"/>
-        </pc:sldMkLst>
-      </pc:sldChg>
-      <pc:sldChg chg="del">
-        <pc:chgData name="Zhongzhou Yang" userId="5e0fe9c0bb0cee2d" providerId="LiveId" clId="{FCA1176D-77A4-0F4F-AF74-717614B80A7F}" dt="2023-08-08T07:52:59.235" v="61" actId="18676"/>
-        <pc:sldMkLst>
-          <pc:docMk/>
-          <pc:sldMk cId="2132245216" sldId="269"/>
-        </pc:sldMkLst>
-      </pc:sldChg>
-      <pc:sldChg chg="del">
-        <pc:chgData name="Zhongzhou Yang" userId="5e0fe9c0bb0cee2d" providerId="LiveId" clId="{FCA1176D-77A4-0F4F-AF74-717614B80A7F}" dt="2023-08-08T07:52:59.235" v="61" actId="18676"/>
-        <pc:sldMkLst>
-          <pc:docMk/>
-          <pc:sldMk cId="2310652268" sldId="270"/>
-        </pc:sldMkLst>
-      </pc:sldChg>
-      <pc:sldChg chg="del">
-        <pc:chgData name="Zhongzhou Yang" userId="5e0fe9c0bb0cee2d" providerId="LiveId" clId="{FCA1176D-77A4-0F4F-AF74-717614B80A7F}" dt="2023-08-08T07:52:59.235" v="61" actId="18676"/>
-        <pc:sldMkLst>
-          <pc:docMk/>
-          <pc:sldMk cId="930426449" sldId="273"/>
-        </pc:sldMkLst>
-      </pc:sldChg>
-      <pc:sldChg chg="del">
-        <pc:chgData name="Zhongzhou Yang" userId="5e0fe9c0bb0cee2d" providerId="LiveId" clId="{FCA1176D-77A4-0F4F-AF74-717614B80A7F}" dt="2023-08-08T07:52:59.235" v="61" actId="18676"/>
-        <pc:sldMkLst>
-          <pc:docMk/>
-          <pc:sldMk cId="3151112616" sldId="274"/>
-        </pc:sldMkLst>
-      </pc:sldChg>
-      <pc:sldChg chg="del">
-        <pc:chgData name="Zhongzhou Yang" userId="5e0fe9c0bb0cee2d" providerId="LiveId" clId="{FCA1176D-77A4-0F4F-AF74-717614B80A7F}" dt="2023-08-08T07:52:59.235" v="61" actId="18676"/>
-        <pc:sldMkLst>
-          <pc:docMk/>
-          <pc:sldMk cId="1484045396" sldId="275"/>
-        </pc:sldMkLst>
-      </pc:sldChg>
-      <pc:sldChg chg="del">
-        <pc:chgData name="Zhongzhou Yang" userId="5e0fe9c0bb0cee2d" providerId="LiveId" clId="{FCA1176D-77A4-0F4F-AF74-717614B80A7F}" dt="2023-08-08T07:52:59.235" v="61" actId="18676"/>
-        <pc:sldMkLst>
-          <pc:docMk/>
-          <pc:sldMk cId="4053588193" sldId="280"/>
-        </pc:sldMkLst>
-      </pc:sldChg>
-      <pc:sldChg chg="del">
-        <pc:chgData name="Zhongzhou Yang" userId="5e0fe9c0bb0cee2d" providerId="LiveId" clId="{FCA1176D-77A4-0F4F-AF74-717614B80A7F}" dt="2023-08-08T07:52:59.235" v="61" actId="18676"/>
-        <pc:sldMkLst>
-          <pc:docMk/>
-          <pc:sldMk cId="514451618" sldId="289"/>
-        </pc:sldMkLst>
-      </pc:sldChg>
-      <pc:sldChg chg="del">
-        <pc:chgData name="Zhongzhou Yang" userId="5e0fe9c0bb0cee2d" providerId="LiveId" clId="{FCA1176D-77A4-0F4F-AF74-717614B80A7F}" dt="2023-08-08T07:52:59.235" v="61" actId="18676"/>
-        <pc:sldMkLst>
-          <pc:docMk/>
-          <pc:sldMk cId="3155647332" sldId="290"/>
-        </pc:sldMkLst>
-      </pc:sldChg>
-      <pc:sldChg chg="del">
-        <pc:chgData name="Zhongzhou Yang" userId="5e0fe9c0bb0cee2d" providerId="LiveId" clId="{FCA1176D-77A4-0F4F-AF74-717614B80A7F}" dt="2023-08-08T07:52:59.235" v="61" actId="18676"/>
-        <pc:sldMkLst>
-          <pc:docMk/>
-          <pc:sldMk cId="3226728062" sldId="291"/>
-        </pc:sldMkLst>
-      </pc:sldChg>
-      <pc:sldChg chg="del">
-        <pc:chgData name="Zhongzhou Yang" userId="5e0fe9c0bb0cee2d" providerId="LiveId" clId="{FCA1176D-77A4-0F4F-AF74-717614B80A7F}" dt="2023-08-08T07:52:59.235" v="61" actId="18676"/>
-        <pc:sldMkLst>
-          <pc:docMk/>
-          <pc:sldMk cId="1738070204" sldId="292"/>
-        </pc:sldMkLst>
-      </pc:sldChg>
-      <pc:sldChg chg="del">
-        <pc:chgData name="Zhongzhou Yang" userId="5e0fe9c0bb0cee2d" providerId="LiveId" clId="{FCA1176D-77A4-0F4F-AF74-717614B80A7F}" dt="2023-08-08T07:52:59.235" v="61" actId="18676"/>
-        <pc:sldMkLst>
-          <pc:docMk/>
-          <pc:sldMk cId="4255640873" sldId="293"/>
-        </pc:sldMkLst>
-      </pc:sldChg>
-      <pc:sldChg chg="del">
-        <pc:chgData name="Zhongzhou Yang" userId="5e0fe9c0bb0cee2d" providerId="LiveId" clId="{FCA1176D-77A4-0F4F-AF74-717614B80A7F}" dt="2023-08-08T07:52:59.235" v="61" actId="18676"/>
-        <pc:sldMkLst>
-          <pc:docMk/>
-          <pc:sldMk cId="766709377" sldId="298"/>
-        </pc:sldMkLst>
-      </pc:sldChg>
-      <pc:sldChg chg="del">
-        <pc:chgData name="Zhongzhou Yang" userId="5e0fe9c0bb0cee2d" providerId="LiveId" clId="{FCA1176D-77A4-0F4F-AF74-717614B80A7F}" dt="2023-08-08T07:52:59.235" v="61" actId="18676"/>
-        <pc:sldMkLst>
-          <pc:docMk/>
-          <pc:sldMk cId="810598945" sldId="299"/>
-        </pc:sldMkLst>
-      </pc:sldChg>
-      <pc:sldChg chg="del">
-        <pc:chgData name="Zhongzhou Yang" userId="5e0fe9c0bb0cee2d" providerId="LiveId" clId="{FCA1176D-77A4-0F4F-AF74-717614B80A7F}" dt="2023-08-08T07:52:59.235" v="61" actId="18676"/>
-        <pc:sldMkLst>
-          <pc:docMk/>
-          <pc:sldMk cId="59588167" sldId="300"/>
-        </pc:sldMkLst>
-      </pc:sldChg>
-      <pc:sldChg chg="del">
-        <pc:chgData name="Zhongzhou Yang" userId="5e0fe9c0bb0cee2d" providerId="LiveId" clId="{FCA1176D-77A4-0F4F-AF74-717614B80A7F}" dt="2023-08-08T07:52:59.235" v="61" actId="18676"/>
-        <pc:sldMkLst>
-          <pc:docMk/>
-          <pc:sldMk cId="3304801323" sldId="301"/>
-        </pc:sldMkLst>
-      </pc:sldChg>
-      <pc:sldChg chg="del">
-        <pc:chgData name="Zhongzhou Yang" userId="5e0fe9c0bb0cee2d" providerId="LiveId" clId="{FCA1176D-77A4-0F4F-AF74-717614B80A7F}" dt="2023-08-08T07:52:59.235" v="61" actId="18676"/>
-        <pc:sldMkLst>
-          <pc:docMk/>
-          <pc:sldMk cId="3952119160" sldId="303"/>
-        </pc:sldMkLst>
-      </pc:sldChg>
-      <pc:sldChg chg="del">
-        <pc:chgData name="Zhongzhou Yang" userId="5e0fe9c0bb0cee2d" providerId="LiveId" clId="{FCA1176D-77A4-0F4F-AF74-717614B80A7F}" dt="2023-08-08T07:52:59.235" v="61" actId="18676"/>
-        <pc:sldMkLst>
-          <pc:docMk/>
-          <pc:sldMk cId="2545857843" sldId="306"/>
-        </pc:sldMkLst>
-      </pc:sldChg>
-      <pc:sldChg chg="del">
-        <pc:chgData name="Zhongzhou Yang" userId="5e0fe9c0bb0cee2d" providerId="LiveId" clId="{FCA1176D-77A4-0F4F-AF74-717614B80A7F}" dt="2023-08-08T07:52:59.235" v="61" actId="18676"/>
-        <pc:sldMkLst>
-          <pc:docMk/>
-          <pc:sldMk cId="4096543293" sldId="309"/>
-        </pc:sldMkLst>
-      </pc:sldChg>
-      <pc:sldChg chg="del">
-        <pc:chgData name="Zhongzhou Yang" userId="5e0fe9c0bb0cee2d" providerId="LiveId" clId="{FCA1176D-77A4-0F4F-AF74-717614B80A7F}" dt="2023-08-08T07:52:59.235" v="61" actId="18676"/>
-        <pc:sldMkLst>
-          <pc:docMk/>
-          <pc:sldMk cId="1604389774" sldId="310"/>
-        </pc:sldMkLst>
-      </pc:sldChg>
-      <pc:sldChg chg="del">
-        <pc:chgData name="Zhongzhou Yang" userId="5e0fe9c0bb0cee2d" providerId="LiveId" clId="{FCA1176D-77A4-0F4F-AF74-717614B80A7F}" dt="2023-08-08T07:52:59.235" v="61" actId="18676"/>
-        <pc:sldMkLst>
-          <pc:docMk/>
-          <pc:sldMk cId="3948223631" sldId="311"/>
-        </pc:sldMkLst>
-      </pc:sldChg>
-      <pc:sldChg chg="del">
-        <pc:chgData name="Zhongzhou Yang" userId="5e0fe9c0bb0cee2d" providerId="LiveId" clId="{FCA1176D-77A4-0F4F-AF74-717614B80A7F}" dt="2023-08-08T07:52:59.235" v="61" actId="18676"/>
-        <pc:sldMkLst>
-          <pc:docMk/>
-          <pc:sldMk cId="3470494978" sldId="312"/>
-        </pc:sldMkLst>
-      </pc:sldChg>
-      <pc:sldChg chg="del">
-        <pc:chgData name="Zhongzhou Yang" userId="5e0fe9c0bb0cee2d" providerId="LiveId" clId="{FCA1176D-77A4-0F4F-AF74-717614B80A7F}" dt="2023-08-08T07:52:59.235" v="61" actId="18676"/>
-        <pc:sldMkLst>
-          <pc:docMk/>
-          <pc:sldMk cId="1316800535" sldId="313"/>
-        </pc:sldMkLst>
-      </pc:sldChg>
-      <pc:sldChg chg="del">
-        <pc:chgData name="Zhongzhou Yang" userId="5e0fe9c0bb0cee2d" providerId="LiveId" clId="{FCA1176D-77A4-0F4F-AF74-717614B80A7F}" dt="2023-08-08T07:52:59.235" v="61" actId="18676"/>
-        <pc:sldMkLst>
-          <pc:docMk/>
-          <pc:sldMk cId="2398742846" sldId="314"/>
-        </pc:sldMkLst>
-      </pc:sldChg>
-      <pc:sldChg chg="del">
-        <pc:chgData name="Zhongzhou Yang" userId="5e0fe9c0bb0cee2d" providerId="LiveId" clId="{FCA1176D-77A4-0F4F-AF74-717614B80A7F}" dt="2023-08-08T07:52:59.235" v="61" actId="18676"/>
-        <pc:sldMkLst>
-          <pc:docMk/>
-          <pc:sldMk cId="421623544" sldId="315"/>
-        </pc:sldMkLst>
-      </pc:sldChg>
-      <pc:sldChg chg="modSp mod">
-        <pc:chgData name="Zhongzhou Yang" userId="5e0fe9c0bb0cee2d" providerId="LiveId" clId="{FCA1176D-77A4-0F4F-AF74-717614B80A7F}" dt="2023-08-08T07:43:58.907" v="12" actId="20577"/>
-        <pc:sldMkLst>
-          <pc:docMk/>
-          <pc:sldMk cId="1409683351" sldId="316"/>
-        </pc:sldMkLst>
-        <pc:spChg chg="mod">
-          <ac:chgData name="Zhongzhou Yang" userId="5e0fe9c0bb0cee2d" providerId="LiveId" clId="{FCA1176D-77A4-0F4F-AF74-717614B80A7F}" dt="2023-08-08T07:43:58.907" v="12" actId="20577"/>
-          <ac:spMkLst>
-            <pc:docMk/>
-            <pc:sldMk cId="1409683351" sldId="316"/>
-            <ac:spMk id="7" creationId="{363E26AF-E40A-484F-A0FF-F63112489F5E}"/>
-          </ac:spMkLst>
-        </pc:spChg>
-      </pc:sldChg>
-      <pc:sldChg chg="addSp modSp mod">
-        <pc:chgData name="Zhongzhou Yang" userId="5e0fe9c0bb0cee2d" providerId="LiveId" clId="{FCA1176D-77A4-0F4F-AF74-717614B80A7F}" dt="2023-08-08T07:53:51.553" v="69"/>
-        <pc:sldMkLst>
-          <pc:docMk/>
-          <pc:sldMk cId="2693647385" sldId="319"/>
-        </pc:sldMkLst>
-        <pc:spChg chg="add mod">
-          <ac:chgData name="Zhongzhou Yang" userId="5e0fe9c0bb0cee2d" providerId="LiveId" clId="{FCA1176D-77A4-0F4F-AF74-717614B80A7F}" dt="2023-08-08T07:53:22.171" v="64" actId="207"/>
-          <ac:spMkLst>
-            <pc:docMk/>
-            <pc:sldMk cId="2693647385" sldId="319"/>
-            <ac:spMk id="2" creationId="{A31EBC8F-9560-113D-B47C-8C3A498C4DF8}"/>
-          </ac:spMkLst>
-        </pc:spChg>
-        <pc:spChg chg="add mod">
-          <ac:chgData name="Zhongzhou Yang" userId="5e0fe9c0bb0cee2d" providerId="LiveId" clId="{FCA1176D-77A4-0F4F-AF74-717614B80A7F}" dt="2023-08-08T07:53:51.553" v="69"/>
-          <ac:spMkLst>
-            <pc:docMk/>
-            <pc:sldMk cId="2693647385" sldId="319"/>
-            <ac:spMk id="4" creationId="{4B7EF750-D641-2C86-3F4B-2308748EC66D}"/>
-          </ac:spMkLst>
-        </pc:spChg>
-      </pc:sldChg>
-      <pc:sldChg chg="addSp modSp mod">
-        <pc:chgData name="Zhongzhou Yang" userId="5e0fe9c0bb0cee2d" providerId="LiveId" clId="{FCA1176D-77A4-0F4F-AF74-717614B80A7F}" dt="2023-08-08T07:53:32.449" v="68"/>
-        <pc:sldMkLst>
-          <pc:docMk/>
-          <pc:sldMk cId="3853738235" sldId="320"/>
-        </pc:sldMkLst>
-        <pc:spChg chg="add mod">
-          <ac:chgData name="Zhongzhou Yang" userId="5e0fe9c0bb0cee2d" providerId="LiveId" clId="{FCA1176D-77A4-0F4F-AF74-717614B80A7F}" dt="2023-08-08T07:53:32.449" v="68"/>
-          <ac:spMkLst>
-            <pc:docMk/>
-            <pc:sldMk cId="3853738235" sldId="320"/>
-            <ac:spMk id="2" creationId="{6A939091-49ED-551A-980B-BC2FAA24D179}"/>
-          </ac:spMkLst>
-        </pc:spChg>
-        <pc:spChg chg="mod">
-          <ac:chgData name="Zhongzhou Yang" userId="5e0fe9c0bb0cee2d" providerId="LiveId" clId="{FCA1176D-77A4-0F4F-AF74-717614B80A7F}" dt="2023-08-08T07:48:40.418" v="58" actId="313"/>
-          <ac:spMkLst>
-            <pc:docMk/>
-            <pc:sldMk cId="3853738235" sldId="320"/>
-            <ac:spMk id="7" creationId="{DD20A54F-A7BB-48C3-A73E-1E79B6AD6DF4}"/>
-          </ac:spMkLst>
-        </pc:spChg>
-      </pc:sldChg>
-      <pc:sldChg chg="addSp delSp modSp mod">
-        <pc:chgData name="Zhongzhou Yang" userId="5e0fe9c0bb0cee2d" providerId="LiveId" clId="{FCA1176D-77A4-0F4F-AF74-717614B80A7F}" dt="2023-08-08T08:04:57.841" v="235" actId="1035"/>
-        <pc:sldMkLst>
-          <pc:docMk/>
-          <pc:sldMk cId="1062751898" sldId="321"/>
-        </pc:sldMkLst>
-        <pc:spChg chg="add mod">
-          <ac:chgData name="Zhongzhou Yang" userId="5e0fe9c0bb0cee2d" providerId="LiveId" clId="{FCA1176D-77A4-0F4F-AF74-717614B80A7F}" dt="2023-08-08T07:53:30.545" v="67"/>
-          <ac:spMkLst>
-            <pc:docMk/>
-            <pc:sldMk cId="1062751898" sldId="321"/>
-            <ac:spMk id="2" creationId="{1AF033A1-30A8-5244-1AAA-1591985DFA4B}"/>
-          </ac:spMkLst>
-        </pc:spChg>
-        <pc:spChg chg="add del mod">
-          <ac:chgData name="Zhongzhou Yang" userId="5e0fe9c0bb0cee2d" providerId="LiveId" clId="{FCA1176D-77A4-0F4F-AF74-717614B80A7F}" dt="2023-08-08T08:03:30.115" v="216" actId="478"/>
-          <ac:spMkLst>
-            <pc:docMk/>
-            <pc:sldMk cId="1062751898" sldId="321"/>
-            <ac:spMk id="5" creationId="{09B4E28E-0BCE-248F-0D10-40F95B728815}"/>
-          </ac:spMkLst>
-        </pc:spChg>
-        <pc:spChg chg="add del mod">
-          <ac:chgData name="Zhongzhou Yang" userId="5e0fe9c0bb0cee2d" providerId="LiveId" clId="{FCA1176D-77A4-0F4F-AF74-717614B80A7F}" dt="2023-08-08T08:01:55.611" v="205" actId="478"/>
-          <ac:spMkLst>
-            <pc:docMk/>
-            <pc:sldMk cId="1062751898" sldId="321"/>
-            <ac:spMk id="6" creationId="{9E4A99B9-2E09-7252-6AFB-8C28BD150B40}"/>
-          </ac:spMkLst>
-        </pc:spChg>
-        <pc:spChg chg="add mod">
-          <ac:chgData name="Zhongzhou Yang" userId="5e0fe9c0bb0cee2d" providerId="LiveId" clId="{FCA1176D-77A4-0F4F-AF74-717614B80A7F}" dt="2023-08-08T08:04:57.841" v="235" actId="1035"/>
-          <ac:spMkLst>
-            <pc:docMk/>
-            <pc:sldMk cId="1062751898" sldId="321"/>
-            <ac:spMk id="7" creationId="{8009B249-0FC2-C2EF-590C-C31588AB9AC3}"/>
-          </ac:spMkLst>
-        </pc:spChg>
-        <pc:spChg chg="mod">
-          <ac:chgData name="Zhongzhou Yang" userId="5e0fe9c0bb0cee2d" providerId="LiveId" clId="{FCA1176D-77A4-0F4F-AF74-717614B80A7F}" dt="2023-08-08T07:59:25.632" v="82" actId="14100"/>
-          <ac:spMkLst>
-            <pc:docMk/>
-            <pc:sldMk cId="1062751898" sldId="321"/>
-            <ac:spMk id="50" creationId="{936235DE-1CAE-FAAB-F906-3DE23523CB66}"/>
-          </ac:spMkLst>
-        </pc:spChg>
-        <pc:spChg chg="mod">
-          <ac:chgData name="Zhongzhou Yang" userId="5e0fe9c0bb0cee2d" providerId="LiveId" clId="{FCA1176D-77A4-0F4F-AF74-717614B80A7F}" dt="2023-08-08T07:59:25.110" v="81" actId="14100"/>
-          <ac:spMkLst>
-            <pc:docMk/>
-            <pc:sldMk cId="1062751898" sldId="321"/>
-            <ac:spMk id="51" creationId="{57EF6FC8-1282-1117-E77E-8540AA6A98FB}"/>
-          </ac:spMkLst>
-        </pc:spChg>
-        <pc:spChg chg="mod">
-          <ac:chgData name="Zhongzhou Yang" userId="5e0fe9c0bb0cee2d" providerId="LiveId" clId="{FCA1176D-77A4-0F4F-AF74-717614B80A7F}" dt="2023-08-08T07:59:23.513" v="78" actId="14100"/>
-          <ac:spMkLst>
-            <pc:docMk/>
-            <pc:sldMk cId="1062751898" sldId="321"/>
-            <ac:spMk id="52" creationId="{427ED96D-C171-D5CA-E966-3D5C434B5440}"/>
-          </ac:spMkLst>
-        </pc:spChg>
-        <pc:spChg chg="mod">
-          <ac:chgData name="Zhongzhou Yang" userId="5e0fe9c0bb0cee2d" providerId="LiveId" clId="{FCA1176D-77A4-0F4F-AF74-717614B80A7F}" dt="2023-08-08T08:04:54.801" v="231" actId="1035"/>
-          <ac:spMkLst>
-            <pc:docMk/>
-            <pc:sldMk cId="1062751898" sldId="321"/>
-            <ac:spMk id="74" creationId="{59774AF6-76D8-E0EB-7BDD-5418DE3EED84}"/>
-          </ac:spMkLst>
-        </pc:spChg>
-        <pc:cxnChg chg="add del mod">
-          <ac:chgData name="Zhongzhou Yang" userId="5e0fe9c0bb0cee2d" providerId="LiveId" clId="{FCA1176D-77A4-0F4F-AF74-717614B80A7F}" dt="2023-08-08T08:03:21.924" v="215" actId="478"/>
-          <ac:cxnSpMkLst>
-            <pc:docMk/>
-            <pc:sldMk cId="1062751898" sldId="321"/>
-            <ac:cxnSpMk id="81" creationId="{4E0FE9E4-DA36-A2EA-9A9C-4526CA7334C1}"/>
-          </ac:cxnSpMkLst>
-        </pc:cxnChg>
-      </pc:sldChg>
-      <pc:sldChg chg="addSp modSp">
-        <pc:chgData name="Zhongzhou Yang" userId="5e0fe9c0bb0cee2d" providerId="LiveId" clId="{FCA1176D-77A4-0F4F-AF74-717614B80A7F}" dt="2023-08-08T07:53:28.768" v="66"/>
-        <pc:sldMkLst>
-          <pc:docMk/>
-          <pc:sldMk cId="3189478646" sldId="322"/>
-        </pc:sldMkLst>
-        <pc:spChg chg="add mod">
-          <ac:chgData name="Zhongzhou Yang" userId="5e0fe9c0bb0cee2d" providerId="LiveId" clId="{FCA1176D-77A4-0F4F-AF74-717614B80A7F}" dt="2023-08-08T07:53:28.768" v="66"/>
-          <ac:spMkLst>
-            <pc:docMk/>
-            <pc:sldMk cId="3189478646" sldId="322"/>
-            <ac:spMk id="5" creationId="{2B500DB3-60E8-D120-BBF6-BACEA85D27FF}"/>
-          </ac:spMkLst>
-        </pc:spChg>
-      </pc:sldChg>
-      <pc:sldChg chg="addSp modSp">
-        <pc:chgData name="Zhongzhou Yang" userId="5e0fe9c0bb0cee2d" providerId="LiveId" clId="{FCA1176D-77A4-0F4F-AF74-717614B80A7F}" dt="2023-08-08T07:54:19.580" v="70"/>
-        <pc:sldMkLst>
-          <pc:docMk/>
-          <pc:sldMk cId="1429980141" sldId="324"/>
-        </pc:sldMkLst>
-        <pc:spChg chg="add mod">
-          <ac:chgData name="Zhongzhou Yang" userId="5e0fe9c0bb0cee2d" providerId="LiveId" clId="{FCA1176D-77A4-0F4F-AF74-717614B80A7F}" dt="2023-08-08T07:53:26.733" v="65"/>
-          <ac:spMkLst>
-            <pc:docMk/>
-            <pc:sldMk cId="1429980141" sldId="324"/>
-            <ac:spMk id="2" creationId="{E514C047-BA84-51F9-E3D7-0488C49B63D4}"/>
-          </ac:spMkLst>
-        </pc:spChg>
-        <pc:spChg chg="add mod">
-          <ac:chgData name="Zhongzhou Yang" userId="5e0fe9c0bb0cee2d" providerId="LiveId" clId="{FCA1176D-77A4-0F4F-AF74-717614B80A7F}" dt="2023-08-08T07:54:19.580" v="70"/>
-          <ac:spMkLst>
-            <pc:docMk/>
-            <pc:sldMk cId="1429980141" sldId="324"/>
-            <ac:spMk id="4" creationId="{BC92EE5B-D6C4-F6D5-E823-449ED36EEF5D}"/>
-          </ac:spMkLst>
-        </pc:spChg>
-      </pc:sldChg>
-    </pc:docChg>
-  </pc:docChgLst>
-</pc:chgInfo>
-</file>
-
 <file path=ppt/handoutMasters/handoutMaster1.xml><?xml version="1.0" encoding="utf-8"?>
 <p:handoutMaster xmlns:a="http://schemas.openxmlformats.org/drawingml/2006/main" xmlns:r="http://schemas.openxmlformats.org/officeDocument/2006/relationships" xmlns:p="http://schemas.openxmlformats.org/presentationml/2006/main">
   <p:cSld>
@@ -675,7 +294,7 @@
               <a:pPr>
                 <a:defRPr/>
               </a:pPr>
-              <a:t>8/8/23</a:t>
+              <a:t>8/8/2023</a:t>
             </a:fld>
             <a:endParaRPr lang="en-GB"/>
           </a:p>
@@ -886,7 +505,7 @@
               <a:pPr>
                 <a:defRPr/>
               </a:pPr>
-              <a:t>8/8/23</a:t>
+              <a:t>8/8/2023</a:t>
             </a:fld>
             <a:endParaRPr lang="en-GB"/>
           </a:p>
@@ -1313,7 +932,7 @@
             <a:fld id="{FB729AF9-80FA-47CC-9E65-F9D1BDED2B10}" type="datetime4">
               <a:rPr lang="en-GB" smtClean="0"/>
               <a:pPr/>
-              <a:t>8 August 2023</a:t>
+              <a:t>08 August 2023</a:t>
             </a:fld>
             <a:endParaRPr lang="en-GB"/>
           </a:p>
@@ -8162,7 +7781,7 @@
               <a:rPr lang="en-GB" dirty="0">
                 <a:latin typeface="+mn-lt"/>
               </a:rPr>
-              <a:t> Grewal, Vishal Vijayan, </a:t>
+              <a:t> Singh Grewal, Vishal Vijayan, </a:t>
             </a:r>
             <a:r>
               <a:rPr lang="en-GB" dirty="0" err="1">
@@ -11365,7 +10984,7 @@
                 <a:latin typeface="+mn-lt"/>
                 <a:cs typeface="Arial" panose="020B0604020202020204" pitchFamily="34" charset="0"/>
               </a:rPr>
-              <a:t>Trades</a:t>
+              <a:t>Trades executed in +- 5 business days</a:t>
             </a:r>
           </a:p>
           <a:p>

--- a/Team 11 presentation.pptx
+++ b/Team 11 presentation.pptx
@@ -191,6 +191,387 @@
 </p1510:revInfo>
 </file>
 
+<file path=ppt/changesInfos/changesInfo1.xml><?xml version="1.0" encoding="utf-8"?>
+<pc:chgInfo xmlns:a="http://schemas.openxmlformats.org/drawingml/2006/main" xmlns:r="http://schemas.openxmlformats.org/officeDocument/2006/relationships" xmlns:ac="http://schemas.microsoft.com/office/drawing/2013/main/command" xmlns:pc="http://schemas.microsoft.com/office/powerpoint/2013/main/command">
+  <pc:docChgLst>
+    <pc:chgData name="Zhongzhou Yang" userId="5e0fe9c0bb0cee2d" providerId="LiveId" clId="{FCA1176D-77A4-0F4F-AF74-717614B80A7F}"/>
+    <pc:docChg chg="undo custSel delSld modSld addSection delSection modSection">
+      <pc:chgData name="Zhongzhou Yang" userId="5e0fe9c0bb0cee2d" providerId="LiveId" clId="{FCA1176D-77A4-0F4F-AF74-717614B80A7F}" dt="2023-08-08T08:04:57.841" v="235" actId="1035"/>
+      <pc:docMkLst>
+        <pc:docMk/>
+      </pc:docMkLst>
+      <pc:sldChg chg="del">
+        <pc:chgData name="Zhongzhou Yang" userId="5e0fe9c0bb0cee2d" providerId="LiveId" clId="{FCA1176D-77A4-0F4F-AF74-717614B80A7F}" dt="2023-08-08T07:52:59.235" v="61" actId="18676"/>
+        <pc:sldMkLst>
+          <pc:docMk/>
+          <pc:sldMk cId="0" sldId="259"/>
+        </pc:sldMkLst>
+      </pc:sldChg>
+      <pc:sldChg chg="del">
+        <pc:chgData name="Zhongzhou Yang" userId="5e0fe9c0bb0cee2d" providerId="LiveId" clId="{FCA1176D-77A4-0F4F-AF74-717614B80A7F}" dt="2023-08-08T07:52:59.235" v="61" actId="18676"/>
+        <pc:sldMkLst>
+          <pc:docMk/>
+          <pc:sldMk cId="2604557431" sldId="266"/>
+        </pc:sldMkLst>
+      </pc:sldChg>
+      <pc:sldChg chg="del">
+        <pc:chgData name="Zhongzhou Yang" userId="5e0fe9c0bb0cee2d" providerId="LiveId" clId="{FCA1176D-77A4-0F4F-AF74-717614B80A7F}" dt="2023-08-08T07:52:59.235" v="61" actId="18676"/>
+        <pc:sldMkLst>
+          <pc:docMk/>
+          <pc:sldMk cId="1843809255" sldId="267"/>
+        </pc:sldMkLst>
+      </pc:sldChg>
+      <pc:sldChg chg="del">
+        <pc:chgData name="Zhongzhou Yang" userId="5e0fe9c0bb0cee2d" providerId="LiveId" clId="{FCA1176D-77A4-0F4F-AF74-717614B80A7F}" dt="2023-08-08T07:52:59.235" v="61" actId="18676"/>
+        <pc:sldMkLst>
+          <pc:docMk/>
+          <pc:sldMk cId="2132245216" sldId="269"/>
+        </pc:sldMkLst>
+      </pc:sldChg>
+      <pc:sldChg chg="del">
+        <pc:chgData name="Zhongzhou Yang" userId="5e0fe9c0bb0cee2d" providerId="LiveId" clId="{FCA1176D-77A4-0F4F-AF74-717614B80A7F}" dt="2023-08-08T07:52:59.235" v="61" actId="18676"/>
+        <pc:sldMkLst>
+          <pc:docMk/>
+          <pc:sldMk cId="2310652268" sldId="270"/>
+        </pc:sldMkLst>
+      </pc:sldChg>
+      <pc:sldChg chg="del">
+        <pc:chgData name="Zhongzhou Yang" userId="5e0fe9c0bb0cee2d" providerId="LiveId" clId="{FCA1176D-77A4-0F4F-AF74-717614B80A7F}" dt="2023-08-08T07:52:59.235" v="61" actId="18676"/>
+        <pc:sldMkLst>
+          <pc:docMk/>
+          <pc:sldMk cId="930426449" sldId="273"/>
+        </pc:sldMkLst>
+      </pc:sldChg>
+      <pc:sldChg chg="del">
+        <pc:chgData name="Zhongzhou Yang" userId="5e0fe9c0bb0cee2d" providerId="LiveId" clId="{FCA1176D-77A4-0F4F-AF74-717614B80A7F}" dt="2023-08-08T07:52:59.235" v="61" actId="18676"/>
+        <pc:sldMkLst>
+          <pc:docMk/>
+          <pc:sldMk cId="3151112616" sldId="274"/>
+        </pc:sldMkLst>
+      </pc:sldChg>
+      <pc:sldChg chg="del">
+        <pc:chgData name="Zhongzhou Yang" userId="5e0fe9c0bb0cee2d" providerId="LiveId" clId="{FCA1176D-77A4-0F4F-AF74-717614B80A7F}" dt="2023-08-08T07:52:59.235" v="61" actId="18676"/>
+        <pc:sldMkLst>
+          <pc:docMk/>
+          <pc:sldMk cId="1484045396" sldId="275"/>
+        </pc:sldMkLst>
+      </pc:sldChg>
+      <pc:sldChg chg="del">
+        <pc:chgData name="Zhongzhou Yang" userId="5e0fe9c0bb0cee2d" providerId="LiveId" clId="{FCA1176D-77A4-0F4F-AF74-717614B80A7F}" dt="2023-08-08T07:52:59.235" v="61" actId="18676"/>
+        <pc:sldMkLst>
+          <pc:docMk/>
+          <pc:sldMk cId="4053588193" sldId="280"/>
+        </pc:sldMkLst>
+      </pc:sldChg>
+      <pc:sldChg chg="del">
+        <pc:chgData name="Zhongzhou Yang" userId="5e0fe9c0bb0cee2d" providerId="LiveId" clId="{FCA1176D-77A4-0F4F-AF74-717614B80A7F}" dt="2023-08-08T07:52:59.235" v="61" actId="18676"/>
+        <pc:sldMkLst>
+          <pc:docMk/>
+          <pc:sldMk cId="514451618" sldId="289"/>
+        </pc:sldMkLst>
+      </pc:sldChg>
+      <pc:sldChg chg="del">
+        <pc:chgData name="Zhongzhou Yang" userId="5e0fe9c0bb0cee2d" providerId="LiveId" clId="{FCA1176D-77A4-0F4F-AF74-717614B80A7F}" dt="2023-08-08T07:52:59.235" v="61" actId="18676"/>
+        <pc:sldMkLst>
+          <pc:docMk/>
+          <pc:sldMk cId="3155647332" sldId="290"/>
+        </pc:sldMkLst>
+      </pc:sldChg>
+      <pc:sldChg chg="del">
+        <pc:chgData name="Zhongzhou Yang" userId="5e0fe9c0bb0cee2d" providerId="LiveId" clId="{FCA1176D-77A4-0F4F-AF74-717614B80A7F}" dt="2023-08-08T07:52:59.235" v="61" actId="18676"/>
+        <pc:sldMkLst>
+          <pc:docMk/>
+          <pc:sldMk cId="3226728062" sldId="291"/>
+        </pc:sldMkLst>
+      </pc:sldChg>
+      <pc:sldChg chg="del">
+        <pc:chgData name="Zhongzhou Yang" userId="5e0fe9c0bb0cee2d" providerId="LiveId" clId="{FCA1176D-77A4-0F4F-AF74-717614B80A7F}" dt="2023-08-08T07:52:59.235" v="61" actId="18676"/>
+        <pc:sldMkLst>
+          <pc:docMk/>
+          <pc:sldMk cId="1738070204" sldId="292"/>
+        </pc:sldMkLst>
+      </pc:sldChg>
+      <pc:sldChg chg="del">
+        <pc:chgData name="Zhongzhou Yang" userId="5e0fe9c0bb0cee2d" providerId="LiveId" clId="{FCA1176D-77A4-0F4F-AF74-717614B80A7F}" dt="2023-08-08T07:52:59.235" v="61" actId="18676"/>
+        <pc:sldMkLst>
+          <pc:docMk/>
+          <pc:sldMk cId="4255640873" sldId="293"/>
+        </pc:sldMkLst>
+      </pc:sldChg>
+      <pc:sldChg chg="del">
+        <pc:chgData name="Zhongzhou Yang" userId="5e0fe9c0bb0cee2d" providerId="LiveId" clId="{FCA1176D-77A4-0F4F-AF74-717614B80A7F}" dt="2023-08-08T07:52:59.235" v="61" actId="18676"/>
+        <pc:sldMkLst>
+          <pc:docMk/>
+          <pc:sldMk cId="766709377" sldId="298"/>
+        </pc:sldMkLst>
+      </pc:sldChg>
+      <pc:sldChg chg="del">
+        <pc:chgData name="Zhongzhou Yang" userId="5e0fe9c0bb0cee2d" providerId="LiveId" clId="{FCA1176D-77A4-0F4F-AF74-717614B80A7F}" dt="2023-08-08T07:52:59.235" v="61" actId="18676"/>
+        <pc:sldMkLst>
+          <pc:docMk/>
+          <pc:sldMk cId="810598945" sldId="299"/>
+        </pc:sldMkLst>
+      </pc:sldChg>
+      <pc:sldChg chg="del">
+        <pc:chgData name="Zhongzhou Yang" userId="5e0fe9c0bb0cee2d" providerId="LiveId" clId="{FCA1176D-77A4-0F4F-AF74-717614B80A7F}" dt="2023-08-08T07:52:59.235" v="61" actId="18676"/>
+        <pc:sldMkLst>
+          <pc:docMk/>
+          <pc:sldMk cId="59588167" sldId="300"/>
+        </pc:sldMkLst>
+      </pc:sldChg>
+      <pc:sldChg chg="del">
+        <pc:chgData name="Zhongzhou Yang" userId="5e0fe9c0bb0cee2d" providerId="LiveId" clId="{FCA1176D-77A4-0F4F-AF74-717614B80A7F}" dt="2023-08-08T07:52:59.235" v="61" actId="18676"/>
+        <pc:sldMkLst>
+          <pc:docMk/>
+          <pc:sldMk cId="3304801323" sldId="301"/>
+        </pc:sldMkLst>
+      </pc:sldChg>
+      <pc:sldChg chg="del">
+        <pc:chgData name="Zhongzhou Yang" userId="5e0fe9c0bb0cee2d" providerId="LiveId" clId="{FCA1176D-77A4-0F4F-AF74-717614B80A7F}" dt="2023-08-08T07:52:59.235" v="61" actId="18676"/>
+        <pc:sldMkLst>
+          <pc:docMk/>
+          <pc:sldMk cId="3952119160" sldId="303"/>
+        </pc:sldMkLst>
+      </pc:sldChg>
+      <pc:sldChg chg="del">
+        <pc:chgData name="Zhongzhou Yang" userId="5e0fe9c0bb0cee2d" providerId="LiveId" clId="{FCA1176D-77A4-0F4F-AF74-717614B80A7F}" dt="2023-08-08T07:52:59.235" v="61" actId="18676"/>
+        <pc:sldMkLst>
+          <pc:docMk/>
+          <pc:sldMk cId="2545857843" sldId="306"/>
+        </pc:sldMkLst>
+      </pc:sldChg>
+      <pc:sldChg chg="del">
+        <pc:chgData name="Zhongzhou Yang" userId="5e0fe9c0bb0cee2d" providerId="LiveId" clId="{FCA1176D-77A4-0F4F-AF74-717614B80A7F}" dt="2023-08-08T07:52:59.235" v="61" actId="18676"/>
+        <pc:sldMkLst>
+          <pc:docMk/>
+          <pc:sldMk cId="4096543293" sldId="309"/>
+        </pc:sldMkLst>
+      </pc:sldChg>
+      <pc:sldChg chg="del">
+        <pc:chgData name="Zhongzhou Yang" userId="5e0fe9c0bb0cee2d" providerId="LiveId" clId="{FCA1176D-77A4-0F4F-AF74-717614B80A7F}" dt="2023-08-08T07:52:59.235" v="61" actId="18676"/>
+        <pc:sldMkLst>
+          <pc:docMk/>
+          <pc:sldMk cId="1604389774" sldId="310"/>
+        </pc:sldMkLst>
+      </pc:sldChg>
+      <pc:sldChg chg="del">
+        <pc:chgData name="Zhongzhou Yang" userId="5e0fe9c0bb0cee2d" providerId="LiveId" clId="{FCA1176D-77A4-0F4F-AF74-717614B80A7F}" dt="2023-08-08T07:52:59.235" v="61" actId="18676"/>
+        <pc:sldMkLst>
+          <pc:docMk/>
+          <pc:sldMk cId="3948223631" sldId="311"/>
+        </pc:sldMkLst>
+      </pc:sldChg>
+      <pc:sldChg chg="del">
+        <pc:chgData name="Zhongzhou Yang" userId="5e0fe9c0bb0cee2d" providerId="LiveId" clId="{FCA1176D-77A4-0F4F-AF74-717614B80A7F}" dt="2023-08-08T07:52:59.235" v="61" actId="18676"/>
+        <pc:sldMkLst>
+          <pc:docMk/>
+          <pc:sldMk cId="3470494978" sldId="312"/>
+        </pc:sldMkLst>
+      </pc:sldChg>
+      <pc:sldChg chg="del">
+        <pc:chgData name="Zhongzhou Yang" userId="5e0fe9c0bb0cee2d" providerId="LiveId" clId="{FCA1176D-77A4-0F4F-AF74-717614B80A7F}" dt="2023-08-08T07:52:59.235" v="61" actId="18676"/>
+        <pc:sldMkLst>
+          <pc:docMk/>
+          <pc:sldMk cId="1316800535" sldId="313"/>
+        </pc:sldMkLst>
+      </pc:sldChg>
+      <pc:sldChg chg="del">
+        <pc:chgData name="Zhongzhou Yang" userId="5e0fe9c0bb0cee2d" providerId="LiveId" clId="{FCA1176D-77A4-0F4F-AF74-717614B80A7F}" dt="2023-08-08T07:52:59.235" v="61" actId="18676"/>
+        <pc:sldMkLst>
+          <pc:docMk/>
+          <pc:sldMk cId="2398742846" sldId="314"/>
+        </pc:sldMkLst>
+      </pc:sldChg>
+      <pc:sldChg chg="del">
+        <pc:chgData name="Zhongzhou Yang" userId="5e0fe9c0bb0cee2d" providerId="LiveId" clId="{FCA1176D-77A4-0F4F-AF74-717614B80A7F}" dt="2023-08-08T07:52:59.235" v="61" actId="18676"/>
+        <pc:sldMkLst>
+          <pc:docMk/>
+          <pc:sldMk cId="421623544" sldId="315"/>
+        </pc:sldMkLst>
+      </pc:sldChg>
+      <pc:sldChg chg="modSp mod">
+        <pc:chgData name="Zhongzhou Yang" userId="5e0fe9c0bb0cee2d" providerId="LiveId" clId="{FCA1176D-77A4-0F4F-AF74-717614B80A7F}" dt="2023-08-08T07:43:58.907" v="12" actId="20577"/>
+        <pc:sldMkLst>
+          <pc:docMk/>
+          <pc:sldMk cId="1409683351" sldId="316"/>
+        </pc:sldMkLst>
+        <pc:spChg chg="mod">
+          <ac:chgData name="Zhongzhou Yang" userId="5e0fe9c0bb0cee2d" providerId="LiveId" clId="{FCA1176D-77A4-0F4F-AF74-717614B80A7F}" dt="2023-08-08T07:43:58.907" v="12" actId="20577"/>
+          <ac:spMkLst>
+            <pc:docMk/>
+            <pc:sldMk cId="1409683351" sldId="316"/>
+            <ac:spMk id="7" creationId="{363E26AF-E40A-484F-A0FF-F63112489F5E}"/>
+          </ac:spMkLst>
+        </pc:spChg>
+      </pc:sldChg>
+      <pc:sldChg chg="addSp modSp mod">
+        <pc:chgData name="Zhongzhou Yang" userId="5e0fe9c0bb0cee2d" providerId="LiveId" clId="{FCA1176D-77A4-0F4F-AF74-717614B80A7F}" dt="2023-08-08T07:53:51.553" v="69"/>
+        <pc:sldMkLst>
+          <pc:docMk/>
+          <pc:sldMk cId="2693647385" sldId="319"/>
+        </pc:sldMkLst>
+        <pc:spChg chg="add mod">
+          <ac:chgData name="Zhongzhou Yang" userId="5e0fe9c0bb0cee2d" providerId="LiveId" clId="{FCA1176D-77A4-0F4F-AF74-717614B80A7F}" dt="2023-08-08T07:53:22.171" v="64" actId="207"/>
+          <ac:spMkLst>
+            <pc:docMk/>
+            <pc:sldMk cId="2693647385" sldId="319"/>
+            <ac:spMk id="2" creationId="{A31EBC8F-9560-113D-B47C-8C3A498C4DF8}"/>
+          </ac:spMkLst>
+        </pc:spChg>
+        <pc:spChg chg="add mod">
+          <ac:chgData name="Zhongzhou Yang" userId="5e0fe9c0bb0cee2d" providerId="LiveId" clId="{FCA1176D-77A4-0F4F-AF74-717614B80A7F}" dt="2023-08-08T07:53:51.553" v="69"/>
+          <ac:spMkLst>
+            <pc:docMk/>
+            <pc:sldMk cId="2693647385" sldId="319"/>
+            <ac:spMk id="4" creationId="{4B7EF750-D641-2C86-3F4B-2308748EC66D}"/>
+          </ac:spMkLst>
+        </pc:spChg>
+      </pc:sldChg>
+      <pc:sldChg chg="addSp modSp mod">
+        <pc:chgData name="Zhongzhou Yang" userId="5e0fe9c0bb0cee2d" providerId="LiveId" clId="{FCA1176D-77A4-0F4F-AF74-717614B80A7F}" dt="2023-08-08T07:53:32.449" v="68"/>
+        <pc:sldMkLst>
+          <pc:docMk/>
+          <pc:sldMk cId="3853738235" sldId="320"/>
+        </pc:sldMkLst>
+        <pc:spChg chg="add mod">
+          <ac:chgData name="Zhongzhou Yang" userId="5e0fe9c0bb0cee2d" providerId="LiveId" clId="{FCA1176D-77A4-0F4F-AF74-717614B80A7F}" dt="2023-08-08T07:53:32.449" v="68"/>
+          <ac:spMkLst>
+            <pc:docMk/>
+            <pc:sldMk cId="3853738235" sldId="320"/>
+            <ac:spMk id="2" creationId="{6A939091-49ED-551A-980B-BC2FAA24D179}"/>
+          </ac:spMkLst>
+        </pc:spChg>
+        <pc:spChg chg="mod">
+          <ac:chgData name="Zhongzhou Yang" userId="5e0fe9c0bb0cee2d" providerId="LiveId" clId="{FCA1176D-77A4-0F4F-AF74-717614B80A7F}" dt="2023-08-08T07:48:40.418" v="58" actId="313"/>
+          <ac:spMkLst>
+            <pc:docMk/>
+            <pc:sldMk cId="3853738235" sldId="320"/>
+            <ac:spMk id="7" creationId="{DD20A54F-A7BB-48C3-A73E-1E79B6AD6DF4}"/>
+          </ac:spMkLst>
+        </pc:spChg>
+      </pc:sldChg>
+      <pc:sldChg chg="addSp delSp modSp mod">
+        <pc:chgData name="Zhongzhou Yang" userId="5e0fe9c0bb0cee2d" providerId="LiveId" clId="{FCA1176D-77A4-0F4F-AF74-717614B80A7F}" dt="2023-08-08T08:04:57.841" v="235" actId="1035"/>
+        <pc:sldMkLst>
+          <pc:docMk/>
+          <pc:sldMk cId="1062751898" sldId="321"/>
+        </pc:sldMkLst>
+        <pc:spChg chg="add mod">
+          <ac:chgData name="Zhongzhou Yang" userId="5e0fe9c0bb0cee2d" providerId="LiveId" clId="{FCA1176D-77A4-0F4F-AF74-717614B80A7F}" dt="2023-08-08T07:53:30.545" v="67"/>
+          <ac:spMkLst>
+            <pc:docMk/>
+            <pc:sldMk cId="1062751898" sldId="321"/>
+            <ac:spMk id="2" creationId="{1AF033A1-30A8-5244-1AAA-1591985DFA4B}"/>
+          </ac:spMkLst>
+        </pc:spChg>
+        <pc:spChg chg="add del mod">
+          <ac:chgData name="Zhongzhou Yang" userId="5e0fe9c0bb0cee2d" providerId="LiveId" clId="{FCA1176D-77A4-0F4F-AF74-717614B80A7F}" dt="2023-08-08T08:03:30.115" v="216" actId="478"/>
+          <ac:spMkLst>
+            <pc:docMk/>
+            <pc:sldMk cId="1062751898" sldId="321"/>
+            <ac:spMk id="5" creationId="{09B4E28E-0BCE-248F-0D10-40F95B728815}"/>
+          </ac:spMkLst>
+        </pc:spChg>
+        <pc:spChg chg="add del mod">
+          <ac:chgData name="Zhongzhou Yang" userId="5e0fe9c0bb0cee2d" providerId="LiveId" clId="{FCA1176D-77A4-0F4F-AF74-717614B80A7F}" dt="2023-08-08T08:01:55.611" v="205" actId="478"/>
+          <ac:spMkLst>
+            <pc:docMk/>
+            <pc:sldMk cId="1062751898" sldId="321"/>
+            <ac:spMk id="6" creationId="{9E4A99B9-2E09-7252-6AFB-8C28BD150B40}"/>
+          </ac:spMkLst>
+        </pc:spChg>
+        <pc:spChg chg="add mod">
+          <ac:chgData name="Zhongzhou Yang" userId="5e0fe9c0bb0cee2d" providerId="LiveId" clId="{FCA1176D-77A4-0F4F-AF74-717614B80A7F}" dt="2023-08-08T08:04:57.841" v="235" actId="1035"/>
+          <ac:spMkLst>
+            <pc:docMk/>
+            <pc:sldMk cId="1062751898" sldId="321"/>
+            <ac:spMk id="7" creationId="{8009B249-0FC2-C2EF-590C-C31588AB9AC3}"/>
+          </ac:spMkLst>
+        </pc:spChg>
+        <pc:spChg chg="mod">
+          <ac:chgData name="Zhongzhou Yang" userId="5e0fe9c0bb0cee2d" providerId="LiveId" clId="{FCA1176D-77A4-0F4F-AF74-717614B80A7F}" dt="2023-08-08T07:59:25.632" v="82" actId="14100"/>
+          <ac:spMkLst>
+            <pc:docMk/>
+            <pc:sldMk cId="1062751898" sldId="321"/>
+            <ac:spMk id="50" creationId="{936235DE-1CAE-FAAB-F906-3DE23523CB66}"/>
+          </ac:spMkLst>
+        </pc:spChg>
+        <pc:spChg chg="mod">
+          <ac:chgData name="Zhongzhou Yang" userId="5e0fe9c0bb0cee2d" providerId="LiveId" clId="{FCA1176D-77A4-0F4F-AF74-717614B80A7F}" dt="2023-08-08T07:59:25.110" v="81" actId="14100"/>
+          <ac:spMkLst>
+            <pc:docMk/>
+            <pc:sldMk cId="1062751898" sldId="321"/>
+            <ac:spMk id="51" creationId="{57EF6FC8-1282-1117-E77E-8540AA6A98FB}"/>
+          </ac:spMkLst>
+        </pc:spChg>
+        <pc:spChg chg="mod">
+          <ac:chgData name="Zhongzhou Yang" userId="5e0fe9c0bb0cee2d" providerId="LiveId" clId="{FCA1176D-77A4-0F4F-AF74-717614B80A7F}" dt="2023-08-08T07:59:23.513" v="78" actId="14100"/>
+          <ac:spMkLst>
+            <pc:docMk/>
+            <pc:sldMk cId="1062751898" sldId="321"/>
+            <ac:spMk id="52" creationId="{427ED96D-C171-D5CA-E966-3D5C434B5440}"/>
+          </ac:spMkLst>
+        </pc:spChg>
+        <pc:spChg chg="mod">
+          <ac:chgData name="Zhongzhou Yang" userId="5e0fe9c0bb0cee2d" providerId="LiveId" clId="{FCA1176D-77A4-0F4F-AF74-717614B80A7F}" dt="2023-08-08T08:04:54.801" v="231" actId="1035"/>
+          <ac:spMkLst>
+            <pc:docMk/>
+            <pc:sldMk cId="1062751898" sldId="321"/>
+            <ac:spMk id="74" creationId="{59774AF6-76D8-E0EB-7BDD-5418DE3EED84}"/>
+          </ac:spMkLst>
+        </pc:spChg>
+        <pc:cxnChg chg="add del mod">
+          <ac:chgData name="Zhongzhou Yang" userId="5e0fe9c0bb0cee2d" providerId="LiveId" clId="{FCA1176D-77A4-0F4F-AF74-717614B80A7F}" dt="2023-08-08T08:03:21.924" v="215" actId="478"/>
+          <ac:cxnSpMkLst>
+            <pc:docMk/>
+            <pc:sldMk cId="1062751898" sldId="321"/>
+            <ac:cxnSpMk id="81" creationId="{4E0FE9E4-DA36-A2EA-9A9C-4526CA7334C1}"/>
+          </ac:cxnSpMkLst>
+        </pc:cxnChg>
+      </pc:sldChg>
+      <pc:sldChg chg="addSp modSp">
+        <pc:chgData name="Zhongzhou Yang" userId="5e0fe9c0bb0cee2d" providerId="LiveId" clId="{FCA1176D-77A4-0F4F-AF74-717614B80A7F}" dt="2023-08-08T07:53:28.768" v="66"/>
+        <pc:sldMkLst>
+          <pc:docMk/>
+          <pc:sldMk cId="3189478646" sldId="322"/>
+        </pc:sldMkLst>
+        <pc:spChg chg="add mod">
+          <ac:chgData name="Zhongzhou Yang" userId="5e0fe9c0bb0cee2d" providerId="LiveId" clId="{FCA1176D-77A4-0F4F-AF74-717614B80A7F}" dt="2023-08-08T07:53:28.768" v="66"/>
+          <ac:spMkLst>
+            <pc:docMk/>
+            <pc:sldMk cId="3189478646" sldId="322"/>
+            <ac:spMk id="5" creationId="{2B500DB3-60E8-D120-BBF6-BACEA85D27FF}"/>
+          </ac:spMkLst>
+        </pc:spChg>
+      </pc:sldChg>
+      <pc:sldChg chg="addSp modSp">
+        <pc:chgData name="Zhongzhou Yang" userId="5e0fe9c0bb0cee2d" providerId="LiveId" clId="{FCA1176D-77A4-0F4F-AF74-717614B80A7F}" dt="2023-08-08T07:54:19.580" v="70"/>
+        <pc:sldMkLst>
+          <pc:docMk/>
+          <pc:sldMk cId="1429980141" sldId="324"/>
+        </pc:sldMkLst>
+        <pc:spChg chg="add mod">
+          <ac:chgData name="Zhongzhou Yang" userId="5e0fe9c0bb0cee2d" providerId="LiveId" clId="{FCA1176D-77A4-0F4F-AF74-717614B80A7F}" dt="2023-08-08T07:53:26.733" v="65"/>
+          <ac:spMkLst>
+            <pc:docMk/>
+            <pc:sldMk cId="1429980141" sldId="324"/>
+            <ac:spMk id="2" creationId="{E514C047-BA84-51F9-E3D7-0488C49B63D4}"/>
+          </ac:spMkLst>
+        </pc:spChg>
+        <pc:spChg chg="add mod">
+          <ac:chgData name="Zhongzhou Yang" userId="5e0fe9c0bb0cee2d" providerId="LiveId" clId="{FCA1176D-77A4-0F4F-AF74-717614B80A7F}" dt="2023-08-08T07:54:19.580" v="70"/>
+          <ac:spMkLst>
+            <pc:docMk/>
+            <pc:sldMk cId="1429980141" sldId="324"/>
+            <ac:spMk id="4" creationId="{BC92EE5B-D6C4-F6D5-E823-449ED36EEF5D}"/>
+          </ac:spMkLst>
+        </pc:spChg>
+      </pc:sldChg>
+    </pc:docChg>
+  </pc:docChgLst>
+</pc:chgInfo>
+</file>
+
 <file path=ppt/handoutMasters/handoutMaster1.xml><?xml version="1.0" encoding="utf-8"?>
 <p:handoutMaster xmlns:a="http://schemas.openxmlformats.org/drawingml/2006/main" xmlns:r="http://schemas.openxmlformats.org/officeDocument/2006/relationships" xmlns:p="http://schemas.openxmlformats.org/presentationml/2006/main">
   <p:cSld>
@@ -294,7 +675,7 @@
               <a:pPr>
                 <a:defRPr/>
               </a:pPr>
-              <a:t>8/8/2023</a:t>
+              <a:t>8/8/23</a:t>
             </a:fld>
             <a:endParaRPr lang="en-GB"/>
           </a:p>
@@ -505,7 +886,7 @@
               <a:pPr>
                 <a:defRPr/>
               </a:pPr>
-              <a:t>8/8/2023</a:t>
+              <a:t>8/8/23</a:t>
             </a:fld>
             <a:endParaRPr lang="en-GB"/>
           </a:p>
@@ -932,7 +1313,7 @@
             <a:fld id="{FB729AF9-80FA-47CC-9E65-F9D1BDED2B10}" type="datetime4">
               <a:rPr lang="en-GB" smtClean="0"/>
               <a:pPr/>
-              <a:t>08 August 2023</a:t>
+              <a:t>8 August 2023</a:t>
             </a:fld>
             <a:endParaRPr lang="en-GB"/>
           </a:p>
@@ -7781,7 +8162,7 @@
               <a:rPr lang="en-GB" dirty="0">
                 <a:latin typeface="+mn-lt"/>
               </a:rPr>
-              <a:t> Singh Grewal, Vishal Vijayan, </a:t>
+              <a:t> Grewal, Vishal Vijayan, </a:t>
             </a:r>
             <a:r>
               <a:rPr lang="en-GB" dirty="0" err="1">
@@ -8336,7 +8717,12 @@
             <p:ph type="body" sz="quarter" idx="11"/>
           </p:nvPr>
         </p:nvSpPr>
-        <p:spPr/>
+        <p:spPr>
+          <a:xfrm>
+            <a:off x="461473" y="861968"/>
+            <a:ext cx="8166240" cy="3059111"/>
+          </a:xfrm>
+        </p:spPr>
         <p:txBody>
           <a:bodyPr/>
           <a:lstStyle/>
@@ -8345,9 +8731,6 @@
               <a:rPr lang="en-GB" dirty="0"/>
               <a:t>Original Dataset</a:t>
             </a:r>
-          </a:p>
-          <a:p>
-            <a:pPr lvl="2"/>
             <a:endParaRPr lang="en-US" dirty="0"/>
           </a:p>
           <a:p>
@@ -8406,894 +8789,6 @@
               <a:t>3</a:t>
             </a:fld>
             <a:endParaRPr lang="en-US"/>
-          </a:p>
-        </p:txBody>
-      </p:sp>
-      <p:graphicFrame>
-        <p:nvGraphicFramePr>
-          <p:cNvPr id="2" name="Table 4">
-            <a:extLst>
-              <a:ext uri="{FF2B5EF4-FFF2-40B4-BE49-F238E27FC236}">
-                <a16:creationId xmlns:a16="http://schemas.microsoft.com/office/drawing/2014/main" id="{8CC20DC2-9CBD-7D82-2689-2A9DE0CC4FDE}"/>
-              </a:ext>
-            </a:extLst>
-          </p:cNvPr>
-          <p:cNvGraphicFramePr>
-            <a:graphicFrameLocks noGrp="1"/>
-          </p:cNvGraphicFramePr>
-          <p:nvPr>
-            <p:extLst>
-              <p:ext uri="{D42A27DB-BD31-4B8C-83A1-F6EECF244321}">
-                <p14:modId xmlns:p14="http://schemas.microsoft.com/office/powerpoint/2010/main" val="3993563040"/>
-              </p:ext>
-            </p:extLst>
-          </p:nvPr>
-        </p:nvGraphicFramePr>
-        <p:xfrm>
-          <a:off x="913371" y="2170663"/>
-          <a:ext cx="7317258" cy="1112520"/>
-        </p:xfrm>
-        <a:graphic>
-          <a:graphicData uri="http://schemas.openxmlformats.org/drawingml/2006/table">
-            <a:tbl>
-              <a:tblPr bandRow="1">
-                <a:tableStyleId>{073A0DAA-6AF3-43AB-8588-CEC1D06C72B9}</a:tableStyleId>
-              </a:tblPr>
-              <a:tblGrid>
-                <a:gridCol w="993150">
-                  <a:extLst>
-                    <a:ext uri="{9D8B030D-6E8A-4147-A177-3AD203B41FA5}">
-                      <a16:colId xmlns:a16="http://schemas.microsoft.com/office/drawing/2014/main" val="166335335"/>
-                    </a:ext>
-                  </a:extLst>
-                </a:gridCol>
-                <a:gridCol w="1445936">
-                  <a:extLst>
-                    <a:ext uri="{9D8B030D-6E8A-4147-A177-3AD203B41FA5}">
-                      <a16:colId xmlns:a16="http://schemas.microsoft.com/office/drawing/2014/main" val="317205625"/>
-                    </a:ext>
-                  </a:extLst>
-                </a:gridCol>
-                <a:gridCol w="1094064">
-                  <a:extLst>
-                    <a:ext uri="{9D8B030D-6E8A-4147-A177-3AD203B41FA5}">
-                      <a16:colId xmlns:a16="http://schemas.microsoft.com/office/drawing/2014/main" val="830836690"/>
-                    </a:ext>
-                  </a:extLst>
-                </a:gridCol>
-                <a:gridCol w="1451429">
-                  <a:extLst>
-                    <a:ext uri="{9D8B030D-6E8A-4147-A177-3AD203B41FA5}">
-                      <a16:colId xmlns:a16="http://schemas.microsoft.com/office/drawing/2014/main" val="1029551089"/>
-                    </a:ext>
-                  </a:extLst>
-                </a:gridCol>
-                <a:gridCol w="1113136">
-                  <a:extLst>
-                    <a:ext uri="{9D8B030D-6E8A-4147-A177-3AD203B41FA5}">
-                      <a16:colId xmlns:a16="http://schemas.microsoft.com/office/drawing/2014/main" val="1951242234"/>
-                    </a:ext>
-                  </a:extLst>
-                </a:gridCol>
-                <a:gridCol w="1219543">
-                  <a:extLst>
-                    <a:ext uri="{9D8B030D-6E8A-4147-A177-3AD203B41FA5}">
-                      <a16:colId xmlns:a16="http://schemas.microsoft.com/office/drawing/2014/main" val="1600913529"/>
-                    </a:ext>
-                  </a:extLst>
-                </a:gridCol>
-              </a:tblGrid>
-              <a:tr h="370840">
-                <a:tc>
-                  <a:txBody>
-                    <a:bodyPr/>
-                    <a:lstStyle/>
-                    <a:p>
-                      <a:r>
-                        <a:rPr lang="en-US" sz="1000" b="0" dirty="0" err="1">
-                          <a:solidFill>
-                            <a:schemeClr val="tx1"/>
-                          </a:solidFill>
-                        </a:rPr>
-                        <a:t>trade_type</a:t>
-                      </a:r>
-                      <a:endParaRPr lang="en-US" sz="1000" b="0" dirty="0">
-                        <a:solidFill>
-                          <a:schemeClr val="tx1"/>
-                        </a:solidFill>
-                      </a:endParaRPr>
-                    </a:p>
-                  </a:txBody>
-                  <a:tcPr/>
-                </a:tc>
-                <a:tc>
-                  <a:txBody>
-                    <a:bodyPr/>
-                    <a:lstStyle/>
-                    <a:p>
-                      <a:r>
-                        <a:rPr lang="en-US" sz="1000" b="0" dirty="0" err="1">
-                          <a:solidFill>
-                            <a:schemeClr val="tx1"/>
-                          </a:solidFill>
-                        </a:rPr>
-                        <a:t>trade_currency</a:t>
-                      </a:r>
-                      <a:endParaRPr lang="en-US" sz="1000" b="0" dirty="0">
-                        <a:solidFill>
-                          <a:schemeClr val="tx1"/>
-                        </a:solidFill>
-                      </a:endParaRPr>
-                    </a:p>
-                  </a:txBody>
-                  <a:tcPr/>
-                </a:tc>
-                <a:tc>
-                  <a:txBody>
-                    <a:bodyPr/>
-                    <a:lstStyle/>
-                    <a:p>
-                      <a:r>
-                        <a:rPr lang="en-US" sz="1000" b="0" dirty="0">
-                          <a:solidFill>
-                            <a:schemeClr val="tx1"/>
-                          </a:solidFill>
-                        </a:rPr>
-                        <a:t>quantity</a:t>
-                      </a:r>
-                    </a:p>
-                  </a:txBody>
-                  <a:tcPr/>
-                </a:tc>
-                <a:tc>
-                  <a:txBody>
-                    <a:bodyPr/>
-                    <a:lstStyle/>
-                    <a:p>
-                      <a:r>
-                        <a:rPr lang="en-US" sz="1000" b="0" dirty="0" err="1">
-                          <a:solidFill>
-                            <a:schemeClr val="tx1"/>
-                          </a:solidFill>
-                        </a:rPr>
-                        <a:t>trade_settlement_date</a:t>
-                      </a:r>
-                      <a:endParaRPr lang="en-US" sz="1000" b="0" dirty="0">
-                        <a:solidFill>
-                          <a:schemeClr val="tx1"/>
-                        </a:solidFill>
-                      </a:endParaRPr>
-                    </a:p>
-                  </a:txBody>
-                  <a:tcPr/>
-                </a:tc>
-                <a:tc>
-                  <a:txBody>
-                    <a:bodyPr/>
-                    <a:lstStyle/>
-                    <a:p>
-                      <a:r>
-                        <a:rPr lang="en-US" sz="1000" b="0" dirty="0" err="1">
-                          <a:solidFill>
-                            <a:schemeClr val="tx1"/>
-                          </a:solidFill>
-                        </a:rPr>
-                        <a:t>trade_status</a:t>
-                      </a:r>
-                      <a:endParaRPr lang="en-US" sz="1000" b="0" dirty="0">
-                        <a:solidFill>
-                          <a:schemeClr val="tx1"/>
-                        </a:solidFill>
-                      </a:endParaRPr>
-                    </a:p>
-                  </a:txBody>
-                  <a:tcPr/>
-                </a:tc>
-                <a:tc>
-                  <a:txBody>
-                    <a:bodyPr/>
-                    <a:lstStyle/>
-                    <a:p>
-                      <a:r>
-                        <a:rPr lang="en-US" sz="1000" b="0" dirty="0" err="1">
-                          <a:solidFill>
-                            <a:schemeClr val="tx1"/>
-                          </a:solidFill>
-                        </a:rPr>
-                        <a:t>trade_date</a:t>
-                      </a:r>
-                      <a:endParaRPr lang="en-US" sz="1000" b="0" dirty="0">
-                        <a:solidFill>
-                          <a:schemeClr val="tx1"/>
-                        </a:solidFill>
-                      </a:endParaRPr>
-                    </a:p>
-                  </a:txBody>
-                  <a:tcPr/>
-                </a:tc>
-                <a:extLst>
-                  <a:ext uri="{0D108BD9-81ED-4DB2-BD59-A6C34878D82A}">
-                    <a16:rowId xmlns:a16="http://schemas.microsoft.com/office/drawing/2014/main" val="1447385141"/>
-                  </a:ext>
-                </a:extLst>
-              </a:tr>
-              <a:tr h="370840">
-                <a:tc>
-                  <a:txBody>
-                    <a:bodyPr/>
-                    <a:lstStyle/>
-                    <a:p>
-                      <a:r>
-                        <a:rPr lang="en-US" sz="1000" b="0" dirty="0" err="1">
-                          <a:solidFill>
-                            <a:schemeClr val="tx1"/>
-                          </a:solidFill>
-                        </a:rPr>
-                        <a:t>unit_price</a:t>
-                      </a:r>
-                      <a:endParaRPr lang="en-US" sz="1000" b="0" dirty="0">
-                        <a:solidFill>
-                          <a:schemeClr val="tx1"/>
-                        </a:solidFill>
-                      </a:endParaRPr>
-                    </a:p>
-                  </a:txBody>
-                  <a:tcPr/>
-                </a:tc>
-                <a:tc>
-                  <a:txBody>
-                    <a:bodyPr/>
-                    <a:lstStyle/>
-                    <a:p>
-                      <a:r>
-                        <a:rPr lang="en-US" sz="1000" b="0" dirty="0" err="1">
-                          <a:solidFill>
-                            <a:schemeClr val="tx1"/>
-                          </a:solidFill>
-                        </a:rPr>
-                        <a:t>coupon_percent</a:t>
-                      </a:r>
-                      <a:endParaRPr lang="en-US" sz="1000" b="0" dirty="0">
-                        <a:solidFill>
-                          <a:schemeClr val="tx1"/>
-                        </a:solidFill>
-                      </a:endParaRPr>
-                    </a:p>
-                  </a:txBody>
-                  <a:tcPr/>
-                </a:tc>
-                <a:tc>
-                  <a:txBody>
-                    <a:bodyPr/>
-                    <a:lstStyle/>
-                    <a:p>
-                      <a:r>
-                        <a:rPr lang="en-US" sz="1000" b="0" dirty="0">
-                          <a:solidFill>
-                            <a:schemeClr val="tx1"/>
-                          </a:solidFill>
-                        </a:rPr>
-                        <a:t>bond currency</a:t>
-                      </a:r>
-                    </a:p>
-                  </a:txBody>
-                  <a:tcPr/>
-                </a:tc>
-                <a:tc>
-                  <a:txBody>
-                    <a:bodyPr/>
-                    <a:lstStyle/>
-                    <a:p>
-                      <a:r>
-                        <a:rPr lang="en-US" sz="1000" b="0" dirty="0" err="1">
-                          <a:solidFill>
-                            <a:schemeClr val="tx1"/>
-                          </a:solidFill>
-                        </a:rPr>
-                        <a:t>cusip</a:t>
-                      </a:r>
-                      <a:endParaRPr lang="en-US" sz="1000" b="0" dirty="0">
-                        <a:solidFill>
-                          <a:schemeClr val="tx1"/>
-                        </a:solidFill>
-                      </a:endParaRPr>
-                    </a:p>
-                  </a:txBody>
-                  <a:tcPr/>
-                </a:tc>
-                <a:tc>
-                  <a:txBody>
-                    <a:bodyPr/>
-                    <a:lstStyle/>
-                    <a:p>
-                      <a:r>
-                        <a:rPr lang="en-US" sz="1000" b="0" dirty="0" err="1">
-                          <a:solidFill>
-                            <a:schemeClr val="tx1"/>
-                          </a:solidFill>
-                        </a:rPr>
-                        <a:t>face_value</a:t>
-                      </a:r>
-                      <a:r>
-                        <a:rPr lang="en-US" sz="1000" b="0" dirty="0">
-                          <a:solidFill>
-                            <a:schemeClr val="tx1"/>
-                          </a:solidFill>
-                        </a:rPr>
-                        <a:t>(</a:t>
-                      </a:r>
-                      <a:r>
-                        <a:rPr lang="en-US" sz="1000" b="0" dirty="0" err="1">
-                          <a:solidFill>
-                            <a:schemeClr val="tx1"/>
-                          </a:solidFill>
-                        </a:rPr>
-                        <a:t>mn</a:t>
-                      </a:r>
-                      <a:r>
-                        <a:rPr lang="en-US" sz="1000" b="0" dirty="0">
-                          <a:solidFill>
-                            <a:schemeClr val="tx1"/>
-                          </a:solidFill>
-                        </a:rPr>
-                        <a:t>)</a:t>
-                      </a:r>
-                    </a:p>
-                  </a:txBody>
-                  <a:tcPr/>
-                </a:tc>
-                <a:tc>
-                  <a:txBody>
-                    <a:bodyPr/>
-                    <a:lstStyle/>
-                    <a:p>
-                      <a:r>
-                        <a:rPr lang="en-US" sz="1000" b="0" dirty="0" err="1">
-                          <a:solidFill>
-                            <a:schemeClr val="tx1"/>
-                          </a:solidFill>
-                        </a:rPr>
-                        <a:t>isin</a:t>
-                      </a:r>
-                      <a:endParaRPr lang="en-US" sz="1000" b="0" dirty="0">
-                        <a:solidFill>
-                          <a:schemeClr val="tx1"/>
-                        </a:solidFill>
-                      </a:endParaRPr>
-                    </a:p>
-                  </a:txBody>
-                  <a:tcPr/>
-                </a:tc>
-                <a:extLst>
-                  <a:ext uri="{0D108BD9-81ED-4DB2-BD59-A6C34878D82A}">
-                    <a16:rowId xmlns:a16="http://schemas.microsoft.com/office/drawing/2014/main" val="1579716139"/>
-                  </a:ext>
-                </a:extLst>
-              </a:tr>
-              <a:tr h="370840">
-                <a:tc>
-                  <a:txBody>
-                    <a:bodyPr/>
-                    <a:lstStyle/>
-                    <a:p>
-                      <a:r>
-                        <a:rPr lang="en-US" sz="1000" b="0" dirty="0" err="1">
-                          <a:solidFill>
-                            <a:schemeClr val="tx1"/>
-                          </a:solidFill>
-                        </a:rPr>
-                        <a:t>issuer_name</a:t>
-                      </a:r>
-                      <a:endParaRPr lang="en-US" sz="1000" b="0" dirty="0">
-                        <a:solidFill>
-                          <a:schemeClr val="tx1"/>
-                        </a:solidFill>
-                      </a:endParaRPr>
-                    </a:p>
-                  </a:txBody>
-                  <a:tcPr/>
-                </a:tc>
-                <a:tc>
-                  <a:txBody>
-                    <a:bodyPr/>
-                    <a:lstStyle/>
-                    <a:p>
-                      <a:r>
-                        <a:rPr lang="en-US" sz="1000" b="0" dirty="0" err="1">
-                          <a:solidFill>
-                            <a:schemeClr val="tx1"/>
-                          </a:solidFill>
-                        </a:rPr>
-                        <a:t>bond_maturity_date</a:t>
-                      </a:r>
-                      <a:endParaRPr lang="en-US" sz="1000" b="0" dirty="0">
-                        <a:solidFill>
-                          <a:schemeClr val="tx1"/>
-                        </a:solidFill>
-                      </a:endParaRPr>
-                    </a:p>
-                  </a:txBody>
-                  <a:tcPr/>
-                </a:tc>
-                <a:tc>
-                  <a:txBody>
-                    <a:bodyPr/>
-                    <a:lstStyle/>
-                    <a:p>
-                      <a:r>
-                        <a:rPr lang="en-US" sz="1000" b="0" dirty="0">
-                          <a:solidFill>
-                            <a:schemeClr val="tx1"/>
-                          </a:solidFill>
-                        </a:rPr>
-                        <a:t>status</a:t>
-                      </a:r>
-                    </a:p>
-                  </a:txBody>
-                  <a:tcPr/>
-                </a:tc>
-                <a:tc>
-                  <a:txBody>
-                    <a:bodyPr/>
-                    <a:lstStyle/>
-                    <a:p>
-                      <a:r>
-                        <a:rPr lang="en-US" sz="1000" b="0" dirty="0">
-                          <a:solidFill>
-                            <a:schemeClr val="tx1"/>
-                          </a:solidFill>
-                        </a:rPr>
-                        <a:t>type</a:t>
-                      </a:r>
-                    </a:p>
-                  </a:txBody>
-                  <a:tcPr/>
-                </a:tc>
-                <a:tc>
-                  <a:txBody>
-                    <a:bodyPr/>
-                    <a:lstStyle/>
-                    <a:p>
-                      <a:r>
-                        <a:rPr lang="en-US" sz="1000" b="0" dirty="0" err="1">
-                          <a:solidFill>
-                            <a:schemeClr val="tx1"/>
-                          </a:solidFill>
-                        </a:rPr>
-                        <a:t>book_name</a:t>
-                      </a:r>
-                      <a:endParaRPr lang="en-US" sz="1000" b="0" dirty="0">
-                        <a:solidFill>
-                          <a:schemeClr val="tx1"/>
-                        </a:solidFill>
-                      </a:endParaRPr>
-                    </a:p>
-                  </a:txBody>
-                  <a:tcPr/>
-                </a:tc>
-                <a:tc>
-                  <a:txBody>
-                    <a:bodyPr/>
-                    <a:lstStyle/>
-                    <a:p>
-                      <a:r>
-                        <a:rPr lang="en-US" sz="1000" b="0" dirty="0" err="1">
-                          <a:solidFill>
-                            <a:schemeClr val="tx1"/>
-                          </a:solidFill>
-                        </a:rPr>
-                        <a:t>bond_holder</a:t>
-                      </a:r>
-                      <a:endParaRPr lang="en-US" sz="1000" b="0" dirty="0">
-                        <a:solidFill>
-                          <a:schemeClr val="tx1"/>
-                        </a:solidFill>
-                      </a:endParaRPr>
-                    </a:p>
-                  </a:txBody>
-                  <a:tcPr/>
-                </a:tc>
-                <a:extLst>
-                  <a:ext uri="{0D108BD9-81ED-4DB2-BD59-A6C34878D82A}">
-                    <a16:rowId xmlns:a16="http://schemas.microsoft.com/office/drawing/2014/main" val="1965029202"/>
-                  </a:ext>
-                </a:extLst>
-              </a:tr>
-            </a:tbl>
-          </a:graphicData>
-        </a:graphic>
-      </p:graphicFrame>
-      <p:sp>
-        <p:nvSpPr>
-          <p:cNvPr id="10" name="Text Box 10">
-            <a:extLst>
-              <a:ext uri="{FF2B5EF4-FFF2-40B4-BE49-F238E27FC236}">
-                <a16:creationId xmlns:a16="http://schemas.microsoft.com/office/drawing/2014/main" id="{8545BCE0-B391-1BD8-3FC1-C311906136FD}"/>
-              </a:ext>
-            </a:extLst>
-          </p:cNvPr>
-          <p:cNvSpPr txBox="1">
-            <a:spLocks noChangeArrowheads="1"/>
-          </p:cNvSpPr>
-          <p:nvPr/>
-        </p:nvSpPr>
-        <p:spPr bwMode="invGray">
-          <a:xfrm>
-            <a:off x="3329242" y="3810542"/>
-            <a:ext cx="1138901" cy="407441"/>
-          </a:xfrm>
-          <a:prstGeom prst="rect">
-            <a:avLst/>
-          </a:prstGeom>
-          <a:solidFill>
-            <a:srgbClr val="002A55"/>
-          </a:solidFill>
-          <a:ln w="3175">
-            <a:noFill/>
-            <a:miter lim="800000"/>
-            <a:headEnd/>
-            <a:tailEnd/>
-          </a:ln>
-        </p:spPr>
-        <p:txBody>
-          <a:bodyPr lIns="55364" tIns="27682" rIns="55364" bIns="27682" anchor="ctr"/>
-          <a:lstStyle/>
-          <a:p>
-            <a:pPr defTabSz="553111" eaLnBrk="0" hangingPunct="0">
-              <a:defRPr/>
-            </a:pPr>
-            <a:endParaRPr lang="en-US" sz="700" dirty="0">
-              <a:solidFill>
-                <a:srgbClr val="FFFFFF"/>
-              </a:solidFill>
-              <a:latin typeface="+mn-lt"/>
-              <a:ea typeface="Deutsche Bank Text" panose="020B0503020202030204" pitchFamily="34" charset="0"/>
-              <a:cs typeface="Arial" panose="020B0604020202020204" pitchFamily="34" charset="0"/>
-            </a:endParaRPr>
-          </a:p>
-          <a:p>
-            <a:pPr algn="ctr" defTabSz="553111" eaLnBrk="0" hangingPunct="0">
-              <a:defRPr/>
-            </a:pPr>
-            <a:r>
-              <a:rPr lang="en-US" sz="700" dirty="0">
-                <a:solidFill>
-                  <a:srgbClr val="FFFFFF"/>
-                </a:solidFill>
-                <a:latin typeface="+mn-lt"/>
-                <a:ea typeface="Deutsche Bank Text" panose="020B0503020202030204" pitchFamily="34" charset="0"/>
-                <a:cs typeface="Arial" panose="020B0604020202020204" pitchFamily="34" charset="0"/>
-              </a:rPr>
-              <a:t>Security</a:t>
-            </a:r>
-          </a:p>
-          <a:p>
-            <a:pPr defTabSz="553111" eaLnBrk="0" hangingPunct="0">
-              <a:defRPr/>
-            </a:pPr>
-            <a:endParaRPr lang="en-US" sz="700" dirty="0">
-              <a:solidFill>
-                <a:srgbClr val="FFFFFF"/>
-              </a:solidFill>
-              <a:latin typeface="+mn-lt"/>
-              <a:ea typeface="Deutsche Bank Text" panose="020B0503020202030204" pitchFamily="34" charset="0"/>
-              <a:cs typeface="Arial" panose="020B0604020202020204" pitchFamily="34" charset="0"/>
-            </a:endParaRPr>
-          </a:p>
-        </p:txBody>
-      </p:sp>
-      <p:sp>
-        <p:nvSpPr>
-          <p:cNvPr id="11" name="Text Box 11">
-            <a:extLst>
-              <a:ext uri="{FF2B5EF4-FFF2-40B4-BE49-F238E27FC236}">
-                <a16:creationId xmlns:a16="http://schemas.microsoft.com/office/drawing/2014/main" id="{01BC4392-D92D-996A-CB5C-512F2C0DCD30}"/>
-              </a:ext>
-            </a:extLst>
-          </p:cNvPr>
-          <p:cNvSpPr txBox="1">
-            <a:spLocks noChangeArrowheads="1"/>
-          </p:cNvSpPr>
-          <p:nvPr/>
-        </p:nvSpPr>
-        <p:spPr bwMode="invGray">
-          <a:xfrm>
-            <a:off x="2007125" y="3812061"/>
-            <a:ext cx="1135341" cy="405922"/>
-          </a:xfrm>
-          <a:prstGeom prst="rect">
-            <a:avLst/>
-          </a:prstGeom>
-          <a:solidFill>
-            <a:srgbClr val="57646C"/>
-          </a:solidFill>
-          <a:ln w="3175">
-            <a:noFill/>
-            <a:miter lim="800000"/>
-            <a:headEnd/>
-            <a:tailEnd/>
-          </a:ln>
-        </p:spPr>
-        <p:txBody>
-          <a:bodyPr lIns="55364" tIns="27682" rIns="55364" bIns="27682" anchor="ctr"/>
-          <a:lstStyle/>
-          <a:p>
-            <a:pPr algn="ctr" defTabSz="553111" eaLnBrk="0" hangingPunct="0">
-              <a:defRPr/>
-            </a:pPr>
-            <a:r>
-              <a:rPr lang="en-US" sz="700" dirty="0">
-                <a:solidFill>
-                  <a:srgbClr val="FFFFFF"/>
-                </a:solidFill>
-                <a:latin typeface="+mn-lt"/>
-                <a:ea typeface="Deutsche Bank Text" panose="020B0503020202030204" pitchFamily="34" charset="0"/>
-                <a:cs typeface="Arial" panose="020B0604020202020204" pitchFamily="34" charset="0"/>
-              </a:rPr>
-              <a:t>Trade</a:t>
-            </a:r>
-          </a:p>
-        </p:txBody>
-      </p:sp>
-      <p:sp>
-        <p:nvSpPr>
-          <p:cNvPr id="12" name="Text Box 12">
-            <a:extLst>
-              <a:ext uri="{FF2B5EF4-FFF2-40B4-BE49-F238E27FC236}">
-                <a16:creationId xmlns:a16="http://schemas.microsoft.com/office/drawing/2014/main" id="{D4791929-18E9-97FA-9A41-47E3189FF823}"/>
-              </a:ext>
-            </a:extLst>
-          </p:cNvPr>
-          <p:cNvSpPr txBox="1">
-            <a:spLocks noChangeArrowheads="1"/>
-          </p:cNvSpPr>
-          <p:nvPr/>
-        </p:nvSpPr>
-        <p:spPr bwMode="invGray">
-          <a:xfrm>
-            <a:off x="4695831" y="3810544"/>
-            <a:ext cx="1137122" cy="407441"/>
-          </a:xfrm>
-          <a:prstGeom prst="rect">
-            <a:avLst/>
-          </a:prstGeom>
-          <a:solidFill>
-            <a:srgbClr val="57646C"/>
-          </a:solidFill>
-          <a:ln w="3175">
-            <a:noFill/>
-            <a:miter lim="800000"/>
-            <a:headEnd/>
-            <a:tailEnd/>
-          </a:ln>
-        </p:spPr>
-        <p:txBody>
-          <a:bodyPr lIns="55364" tIns="27682" rIns="55364" bIns="27682" anchor="ctr"/>
-          <a:lstStyle/>
-          <a:p>
-            <a:pPr algn="ctr" defTabSz="553111" eaLnBrk="0" hangingPunct="0">
-              <a:defRPr/>
-            </a:pPr>
-            <a:r>
-              <a:rPr lang="en-US" sz="700" dirty="0">
-                <a:solidFill>
-                  <a:srgbClr val="FFFFFF"/>
-                </a:solidFill>
-                <a:latin typeface="+mn-lt"/>
-                <a:ea typeface="Deutsche Bank Text" panose="020B0503020202030204" pitchFamily="34" charset="0"/>
-                <a:cs typeface="Arial" panose="020B0604020202020204" pitchFamily="34" charset="0"/>
-              </a:rPr>
-              <a:t>Counter Party</a:t>
-            </a:r>
-          </a:p>
-        </p:txBody>
-      </p:sp>
-      <p:sp>
-        <p:nvSpPr>
-          <p:cNvPr id="13" name="Text Box 12">
-            <a:extLst>
-              <a:ext uri="{FF2B5EF4-FFF2-40B4-BE49-F238E27FC236}">
-                <a16:creationId xmlns:a16="http://schemas.microsoft.com/office/drawing/2014/main" id="{A42B75EA-FF4A-ED40-321A-F030DE5B4C3F}"/>
-              </a:ext>
-            </a:extLst>
-          </p:cNvPr>
-          <p:cNvSpPr txBox="1">
-            <a:spLocks noChangeArrowheads="1"/>
-          </p:cNvSpPr>
-          <p:nvPr/>
-        </p:nvSpPr>
-        <p:spPr bwMode="invGray">
-          <a:xfrm>
-            <a:off x="6016918" y="3810541"/>
-            <a:ext cx="1137122" cy="407441"/>
-          </a:xfrm>
-          <a:prstGeom prst="rect">
-            <a:avLst/>
-          </a:prstGeom>
-          <a:solidFill>
-            <a:srgbClr val="002955"/>
-          </a:solidFill>
-          <a:ln w="3175">
-            <a:noFill/>
-            <a:miter lim="800000"/>
-            <a:headEnd/>
-            <a:tailEnd/>
-          </a:ln>
-        </p:spPr>
-        <p:txBody>
-          <a:bodyPr lIns="55364" tIns="27682" rIns="55364" bIns="27682" anchor="ctr"/>
-          <a:lstStyle/>
-          <a:p>
-            <a:pPr algn="ctr" defTabSz="553111" eaLnBrk="0" hangingPunct="0">
-              <a:defRPr/>
-            </a:pPr>
-            <a:r>
-              <a:rPr lang="en-US" sz="700" dirty="0">
-                <a:solidFill>
-                  <a:srgbClr val="FFFFFF"/>
-                </a:solidFill>
-                <a:latin typeface="+mn-lt"/>
-                <a:ea typeface="Deutsche Bank Text" panose="020B0503020202030204" pitchFamily="34" charset="0"/>
-                <a:cs typeface="Arial" panose="020B0604020202020204" pitchFamily="34" charset="0"/>
-              </a:rPr>
-              <a:t>Book</a:t>
-            </a:r>
-          </a:p>
-        </p:txBody>
-      </p:sp>
-      <p:cxnSp>
-        <p:nvCxnSpPr>
-          <p:cNvPr id="16" name="Elbow Connector 15">
-            <a:extLst>
-              <a:ext uri="{FF2B5EF4-FFF2-40B4-BE49-F238E27FC236}">
-                <a16:creationId xmlns:a16="http://schemas.microsoft.com/office/drawing/2014/main" id="{2BE20D96-DACB-B20F-8766-7162F5914D73}"/>
-              </a:ext>
-            </a:extLst>
-          </p:cNvPr>
-          <p:cNvCxnSpPr>
-            <a:cxnSpLocks/>
-          </p:cNvCxnSpPr>
-          <p:nvPr/>
-        </p:nvCxnSpPr>
-        <p:spPr bwMode="auto">
-          <a:xfrm rot="5400000" flipH="1" flipV="1">
-            <a:off x="4583008" y="1802331"/>
-            <a:ext cx="1520" cy="4017940"/>
-          </a:xfrm>
-          <a:prstGeom prst="bentConnector3">
-            <a:avLst>
-              <a:gd name="adj1" fmla="val 15139474"/>
-            </a:avLst>
-          </a:prstGeom>
-          <a:noFill/>
-          <a:ln w="12700">
-            <a:solidFill>
-              <a:schemeClr val="tx1"/>
-            </a:solidFill>
-            <a:round/>
-            <a:headEnd/>
-            <a:tailEnd/>
-          </a:ln>
-        </p:spPr>
-      </p:cxnSp>
-      <p:cxnSp>
-        <p:nvCxnSpPr>
-          <p:cNvPr id="19" name="Straight Connector 18">
-            <a:extLst>
-              <a:ext uri="{FF2B5EF4-FFF2-40B4-BE49-F238E27FC236}">
-                <a16:creationId xmlns:a16="http://schemas.microsoft.com/office/drawing/2014/main" id="{92522C86-51D5-7CE9-FB98-4EE87E285D96}"/>
-              </a:ext>
-            </a:extLst>
-          </p:cNvPr>
-          <p:cNvCxnSpPr>
-            <a:cxnSpLocks/>
-            <a:endCxn id="2" idx="2"/>
-          </p:cNvCxnSpPr>
-          <p:nvPr/>
-        </p:nvCxnSpPr>
-        <p:spPr bwMode="auto">
-          <a:xfrm flipV="1">
-            <a:off x="4572000" y="3283183"/>
-            <a:ext cx="0" cy="296787"/>
-          </a:xfrm>
-          <a:prstGeom prst="line">
-            <a:avLst/>
-          </a:prstGeom>
-          <a:noFill/>
-          <a:ln w="12700">
-            <a:solidFill>
-              <a:schemeClr val="tx1"/>
-            </a:solidFill>
-            <a:round/>
-            <a:headEnd/>
-            <a:tailEnd/>
-          </a:ln>
-        </p:spPr>
-      </p:cxnSp>
-      <p:cxnSp>
-        <p:nvCxnSpPr>
-          <p:cNvPr id="24" name="Straight Connector 23">
-            <a:extLst>
-              <a:ext uri="{FF2B5EF4-FFF2-40B4-BE49-F238E27FC236}">
-                <a16:creationId xmlns:a16="http://schemas.microsoft.com/office/drawing/2014/main" id="{A10F855A-7742-03F9-93ED-1C0100EB1A66}"/>
-              </a:ext>
-            </a:extLst>
-          </p:cNvPr>
-          <p:cNvCxnSpPr>
-            <a:cxnSpLocks/>
-            <a:stCxn id="13" idx="3"/>
-          </p:cNvCxnSpPr>
-          <p:nvPr/>
-        </p:nvCxnSpPr>
-        <p:spPr bwMode="auto">
-          <a:xfrm>
-            <a:off x="7154040" y="4014262"/>
-            <a:ext cx="604196" cy="0"/>
-          </a:xfrm>
-          <a:prstGeom prst="line">
-            <a:avLst/>
-          </a:prstGeom>
-          <a:noFill/>
-          <a:ln w="12700">
-            <a:solidFill>
-              <a:schemeClr val="tx1"/>
-            </a:solidFill>
-            <a:round/>
-            <a:headEnd/>
-            <a:tailEnd/>
-          </a:ln>
-        </p:spPr>
-      </p:cxnSp>
-      <p:sp>
-        <p:nvSpPr>
-          <p:cNvPr id="26" name="Text Box 12">
-            <a:extLst>
-              <a:ext uri="{FF2B5EF4-FFF2-40B4-BE49-F238E27FC236}">
-                <a16:creationId xmlns:a16="http://schemas.microsoft.com/office/drawing/2014/main" id="{AE9D8B28-63E9-9AD7-E788-B50790A51D67}"/>
-              </a:ext>
-            </a:extLst>
-          </p:cNvPr>
-          <p:cNvSpPr txBox="1">
-            <a:spLocks noChangeArrowheads="1"/>
-          </p:cNvSpPr>
-          <p:nvPr/>
-        </p:nvSpPr>
-        <p:spPr bwMode="invGray">
-          <a:xfrm>
-            <a:off x="7758236" y="3796027"/>
-            <a:ext cx="1137122" cy="407441"/>
-          </a:xfrm>
-          <a:prstGeom prst="rect">
-            <a:avLst/>
-          </a:prstGeom>
-          <a:solidFill>
-            <a:srgbClr val="002955"/>
-          </a:solidFill>
-          <a:ln w="3175">
-            <a:noFill/>
-            <a:miter lim="800000"/>
-            <a:headEnd/>
-            <a:tailEnd/>
-          </a:ln>
-        </p:spPr>
-        <p:txBody>
-          <a:bodyPr lIns="55364" tIns="27682" rIns="55364" bIns="27682" anchor="ctr"/>
-          <a:lstStyle/>
-          <a:p>
-            <a:pPr algn="ctr" defTabSz="553111" eaLnBrk="0" hangingPunct="0">
-              <a:defRPr/>
-            </a:pPr>
-            <a:r>
-              <a:rPr lang="en-US" sz="700" dirty="0">
-                <a:solidFill>
-                  <a:srgbClr val="FFFFFF"/>
-                </a:solidFill>
-                <a:latin typeface="+mn-lt"/>
-                <a:ea typeface="Deutsche Bank Text" panose="020B0503020202030204" pitchFamily="34" charset="0"/>
-                <a:cs typeface="Arial" panose="020B0604020202020204" pitchFamily="34" charset="0"/>
-              </a:rPr>
-              <a:t>User</a:t>
-            </a:r>
           </a:p>
         </p:txBody>
       </p:sp>
@@ -9347,6 +8842,921 @@
           </a:p>
         </p:txBody>
       </p:sp>
+      <p:pic>
+        <p:nvPicPr>
+          <p:cNvPr id="8" name="Picture 7" descr="A computer screen shot of a diagram&#10;&#10;Description automatically generated">
+            <a:extLst>
+              <a:ext uri="{FF2B5EF4-FFF2-40B4-BE49-F238E27FC236}">
+                <a16:creationId xmlns:a16="http://schemas.microsoft.com/office/drawing/2014/main" id="{42FB5DFE-1636-7EB9-FA0E-95BE105D1A66}"/>
+              </a:ext>
+            </a:extLst>
+          </p:cNvPr>
+          <p:cNvPicPr>
+            <a:picLocks noChangeAspect="1"/>
+          </p:cNvPicPr>
+          <p:nvPr/>
+        </p:nvPicPr>
+        <p:blipFill>
+          <a:blip r:embed="rId3">
+            <a:extLst>
+              <a:ext uri="{28A0092B-C50C-407E-A947-70E740481C1C}">
+                <a14:useLocalDpi xmlns:a14="http://schemas.microsoft.com/office/drawing/2010/main" val="0"/>
+              </a:ext>
+            </a:extLst>
+          </a:blip>
+          <a:stretch>
+            <a:fillRect/>
+          </a:stretch>
+        </p:blipFill>
+        <p:spPr>
+          <a:xfrm>
+            <a:off x="3897639" y="1269587"/>
+            <a:ext cx="8993236" cy="3113043"/>
+          </a:xfrm>
+          <a:prstGeom prst="rect">
+            <a:avLst/>
+          </a:prstGeom>
+        </p:spPr>
+      </p:pic>
+      <p:graphicFrame>
+        <p:nvGraphicFramePr>
+          <p:cNvPr id="9" name="Table 13">
+            <a:extLst>
+              <a:ext uri="{FF2B5EF4-FFF2-40B4-BE49-F238E27FC236}">
+                <a16:creationId xmlns:a16="http://schemas.microsoft.com/office/drawing/2014/main" id="{FCBE1605-A374-DF95-8FAC-5BC5C432B5E7}"/>
+              </a:ext>
+            </a:extLst>
+          </p:cNvPr>
+          <p:cNvGraphicFramePr>
+            <a:graphicFrameLocks noGrp="1"/>
+          </p:cNvGraphicFramePr>
+          <p:nvPr>
+            <p:extLst>
+              <p:ext uri="{D42A27DB-BD31-4B8C-83A1-F6EECF244321}">
+                <p14:modId xmlns:p14="http://schemas.microsoft.com/office/powerpoint/2010/main" val="1703653080"/>
+              </p:ext>
+            </p:extLst>
+          </p:nvPr>
+        </p:nvGraphicFramePr>
+        <p:xfrm>
+          <a:off x="355596" y="1505500"/>
+          <a:ext cx="3879521" cy="2762712"/>
+        </p:xfrm>
+        <a:graphic>
+          <a:graphicData uri="http://schemas.openxmlformats.org/drawingml/2006/table">
+            <a:tbl>
+              <a:tblPr firstRow="1" bandRow="1">
+                <a:tableStyleId>{D7AC3CCA-C797-4891-BE02-D94E43425B78}</a:tableStyleId>
+              </a:tblPr>
+              <a:tblGrid>
+                <a:gridCol w="1492455">
+                  <a:extLst>
+                    <a:ext uri="{9D8B030D-6E8A-4147-A177-3AD203B41FA5}">
+                      <a16:colId xmlns:a16="http://schemas.microsoft.com/office/drawing/2014/main" val="3570136015"/>
+                    </a:ext>
+                  </a:extLst>
+                </a:gridCol>
+                <a:gridCol w="1299410">
+                  <a:extLst>
+                    <a:ext uri="{9D8B030D-6E8A-4147-A177-3AD203B41FA5}">
+                      <a16:colId xmlns:a16="http://schemas.microsoft.com/office/drawing/2014/main" val="591359860"/>
+                    </a:ext>
+                  </a:extLst>
+                </a:gridCol>
+                <a:gridCol w="1087656">
+                  <a:extLst>
+                    <a:ext uri="{9D8B030D-6E8A-4147-A177-3AD203B41FA5}">
+                      <a16:colId xmlns:a16="http://schemas.microsoft.com/office/drawing/2014/main" val="2032792601"/>
+                    </a:ext>
+                  </a:extLst>
+                </a:gridCol>
+              </a:tblGrid>
+              <a:tr h="455255">
+                <a:tc>
+                  <a:txBody>
+                    <a:bodyPr/>
+                    <a:lstStyle/>
+                    <a:p>
+                      <a:pPr marL="0" marR="0" lvl="0" indent="0" algn="l" defTabSz="684508" rtl="0" eaLnBrk="1" fontAlgn="auto" latinLnBrk="0" hangingPunct="1">
+                        <a:lnSpc>
+                          <a:spcPct val="100000"/>
+                        </a:lnSpc>
+                        <a:spcBef>
+                          <a:spcPts val="0"/>
+                        </a:spcBef>
+                        <a:spcAft>
+                          <a:spcPts val="0"/>
+                        </a:spcAft>
+                        <a:buClrTx/>
+                        <a:buSzTx/>
+                        <a:buFontTx/>
+                        <a:buNone/>
+                        <a:tabLst/>
+                        <a:defRPr/>
+                      </a:pPr>
+                      <a:r>
+                        <a:rPr lang="en-US" sz="1000" b="0" kern="1200" dirty="0" err="1">
+                          <a:solidFill>
+                            <a:schemeClr val="tx1"/>
+                          </a:solidFill>
+                        </a:rPr>
+                        <a:t>trade_type</a:t>
+                      </a:r>
+                      <a:endParaRPr lang="en-US" sz="1000" b="0" kern="1200" dirty="0">
+                        <a:solidFill>
+                          <a:schemeClr val="tx1"/>
+                        </a:solidFill>
+                        <a:latin typeface="+mn-lt"/>
+                        <a:ea typeface="+mn-ea"/>
+                        <a:cs typeface="+mn-cs"/>
+                      </a:endParaRPr>
+                    </a:p>
+                  </a:txBody>
+                  <a:tcPr/>
+                </a:tc>
+                <a:tc>
+                  <a:txBody>
+                    <a:bodyPr/>
+                    <a:lstStyle/>
+                    <a:p>
+                      <a:pPr marL="0" marR="0" lvl="0" indent="0" algn="l" defTabSz="684508" rtl="0" eaLnBrk="1" fontAlgn="auto" latinLnBrk="0" hangingPunct="1">
+                        <a:lnSpc>
+                          <a:spcPct val="100000"/>
+                        </a:lnSpc>
+                        <a:spcBef>
+                          <a:spcPts val="0"/>
+                        </a:spcBef>
+                        <a:spcAft>
+                          <a:spcPts val="0"/>
+                        </a:spcAft>
+                        <a:buClrTx/>
+                        <a:buSzTx/>
+                        <a:buFontTx/>
+                        <a:buNone/>
+                        <a:tabLst/>
+                        <a:defRPr/>
+                      </a:pPr>
+                      <a:r>
+                        <a:rPr lang="en-US" sz="1000" b="0" kern="1200" dirty="0" err="1">
+                          <a:solidFill>
+                            <a:schemeClr val="tx1"/>
+                          </a:solidFill>
+                        </a:rPr>
+                        <a:t>trade_currency</a:t>
+                      </a:r>
+                      <a:endParaRPr lang="en-US" sz="1000" b="0" kern="1200" dirty="0">
+                        <a:solidFill>
+                          <a:schemeClr val="tx1"/>
+                        </a:solidFill>
+                        <a:latin typeface="+mn-lt"/>
+                        <a:ea typeface="+mn-ea"/>
+                        <a:cs typeface="+mn-cs"/>
+                      </a:endParaRPr>
+                    </a:p>
+                  </a:txBody>
+                  <a:tcPr/>
+                </a:tc>
+                <a:tc>
+                  <a:txBody>
+                    <a:bodyPr/>
+                    <a:lstStyle/>
+                    <a:p>
+                      <a:pPr marL="0" marR="0" lvl="0" indent="0" algn="l" defTabSz="684508" rtl="0" eaLnBrk="1" fontAlgn="auto" latinLnBrk="0" hangingPunct="1">
+                        <a:lnSpc>
+                          <a:spcPct val="100000"/>
+                        </a:lnSpc>
+                        <a:spcBef>
+                          <a:spcPts val="0"/>
+                        </a:spcBef>
+                        <a:spcAft>
+                          <a:spcPts val="0"/>
+                        </a:spcAft>
+                        <a:buClrTx/>
+                        <a:buSzTx/>
+                        <a:buFontTx/>
+                        <a:buNone/>
+                        <a:tabLst/>
+                        <a:defRPr/>
+                      </a:pPr>
+                      <a:r>
+                        <a:rPr lang="en-US" sz="1000" b="0" kern="1200" dirty="0">
+                          <a:solidFill>
+                            <a:schemeClr val="tx1"/>
+                          </a:solidFill>
+                        </a:rPr>
+                        <a:t>quantity</a:t>
+                      </a:r>
+                      <a:endParaRPr lang="en-US" sz="1000" b="0" kern="1200" dirty="0">
+                        <a:solidFill>
+                          <a:schemeClr val="tx1"/>
+                        </a:solidFill>
+                        <a:latin typeface="+mn-lt"/>
+                        <a:ea typeface="+mn-ea"/>
+                        <a:cs typeface="+mn-cs"/>
+                      </a:endParaRPr>
+                    </a:p>
+                  </a:txBody>
+                  <a:tcPr/>
+                </a:tc>
+                <a:extLst>
+                  <a:ext uri="{0D108BD9-81ED-4DB2-BD59-A6C34878D82A}">
+                    <a16:rowId xmlns:a16="http://schemas.microsoft.com/office/drawing/2014/main" val="3007589976"/>
+                  </a:ext>
+                </a:extLst>
+              </a:tr>
+              <a:tr h="486437">
+                <a:tc>
+                  <a:txBody>
+                    <a:bodyPr/>
+                    <a:lstStyle/>
+                    <a:p>
+                      <a:pPr marL="0" marR="0" lvl="0" indent="0" algn="l" defTabSz="684508" rtl="0" eaLnBrk="1" fontAlgn="auto" latinLnBrk="0" hangingPunct="1">
+                        <a:lnSpc>
+                          <a:spcPct val="100000"/>
+                        </a:lnSpc>
+                        <a:spcBef>
+                          <a:spcPts val="0"/>
+                        </a:spcBef>
+                        <a:spcAft>
+                          <a:spcPts val="0"/>
+                        </a:spcAft>
+                        <a:buClrTx/>
+                        <a:buSzTx/>
+                        <a:buFontTx/>
+                        <a:buNone/>
+                        <a:tabLst/>
+                        <a:defRPr/>
+                      </a:pPr>
+                      <a:r>
+                        <a:rPr lang="en-US" sz="1000" b="0" kern="1200" dirty="0" err="1">
+                          <a:solidFill>
+                            <a:schemeClr val="tx1"/>
+                          </a:solidFill>
+                        </a:rPr>
+                        <a:t>trade_settlement_date</a:t>
+                      </a:r>
+                      <a:endParaRPr lang="en-US" sz="1000" b="0" kern="1200" dirty="0">
+                        <a:solidFill>
+                          <a:schemeClr val="tx1"/>
+                        </a:solidFill>
+                        <a:latin typeface="+mn-lt"/>
+                        <a:ea typeface="+mn-ea"/>
+                        <a:cs typeface="+mn-cs"/>
+                      </a:endParaRPr>
+                    </a:p>
+                  </a:txBody>
+                  <a:tcPr/>
+                </a:tc>
+                <a:tc>
+                  <a:txBody>
+                    <a:bodyPr/>
+                    <a:lstStyle/>
+                    <a:p>
+                      <a:pPr marL="0" marR="0" lvl="0" indent="0" algn="l" defTabSz="684508" rtl="0" eaLnBrk="1" fontAlgn="auto" latinLnBrk="0" hangingPunct="1">
+                        <a:lnSpc>
+                          <a:spcPct val="100000"/>
+                        </a:lnSpc>
+                        <a:spcBef>
+                          <a:spcPts val="0"/>
+                        </a:spcBef>
+                        <a:spcAft>
+                          <a:spcPts val="0"/>
+                        </a:spcAft>
+                        <a:buClrTx/>
+                        <a:buSzTx/>
+                        <a:buFontTx/>
+                        <a:buNone/>
+                        <a:tabLst/>
+                        <a:defRPr/>
+                      </a:pPr>
+                      <a:r>
+                        <a:rPr lang="en-US" sz="1000" b="0" kern="1200" dirty="0" err="1">
+                          <a:solidFill>
+                            <a:schemeClr val="tx1"/>
+                          </a:solidFill>
+                        </a:rPr>
+                        <a:t>trade_status</a:t>
+                      </a:r>
+                      <a:endParaRPr lang="en-US" sz="1000" b="0" kern="1200" dirty="0">
+                        <a:solidFill>
+                          <a:schemeClr val="tx1"/>
+                        </a:solidFill>
+                        <a:latin typeface="+mn-lt"/>
+                        <a:ea typeface="+mn-ea"/>
+                        <a:cs typeface="+mn-cs"/>
+                      </a:endParaRPr>
+                    </a:p>
+                  </a:txBody>
+                  <a:tcPr/>
+                </a:tc>
+                <a:tc>
+                  <a:txBody>
+                    <a:bodyPr/>
+                    <a:lstStyle/>
+                    <a:p>
+                      <a:pPr marL="0" marR="0" lvl="0" indent="0" algn="l" defTabSz="684508" rtl="0" eaLnBrk="1" fontAlgn="auto" latinLnBrk="0" hangingPunct="1">
+                        <a:lnSpc>
+                          <a:spcPct val="100000"/>
+                        </a:lnSpc>
+                        <a:spcBef>
+                          <a:spcPts val="0"/>
+                        </a:spcBef>
+                        <a:spcAft>
+                          <a:spcPts val="0"/>
+                        </a:spcAft>
+                        <a:buClrTx/>
+                        <a:buSzTx/>
+                        <a:buFontTx/>
+                        <a:buNone/>
+                        <a:tabLst/>
+                        <a:defRPr/>
+                      </a:pPr>
+                      <a:r>
+                        <a:rPr lang="en-US" sz="1000" b="0" kern="1200" dirty="0" err="1">
+                          <a:solidFill>
+                            <a:schemeClr val="tx1"/>
+                          </a:solidFill>
+                        </a:rPr>
+                        <a:t>trade_date</a:t>
+                      </a:r>
+                      <a:endParaRPr lang="en-US" sz="1000" b="0" kern="1200" dirty="0">
+                        <a:solidFill>
+                          <a:schemeClr val="tx1"/>
+                        </a:solidFill>
+                        <a:latin typeface="+mn-lt"/>
+                        <a:ea typeface="+mn-ea"/>
+                        <a:cs typeface="+mn-cs"/>
+                      </a:endParaRPr>
+                    </a:p>
+                  </a:txBody>
+                  <a:tcPr/>
+                </a:tc>
+                <a:extLst>
+                  <a:ext uri="{0D108BD9-81ED-4DB2-BD59-A6C34878D82A}">
+                    <a16:rowId xmlns:a16="http://schemas.microsoft.com/office/drawing/2014/main" val="4139405869"/>
+                  </a:ext>
+                </a:extLst>
+              </a:tr>
+              <a:tr h="455255">
+                <a:tc>
+                  <a:txBody>
+                    <a:bodyPr/>
+                    <a:lstStyle/>
+                    <a:p>
+                      <a:pPr marL="0" marR="0" lvl="0" indent="0" algn="l" defTabSz="684508" rtl="0" eaLnBrk="1" fontAlgn="auto" latinLnBrk="0" hangingPunct="1">
+                        <a:lnSpc>
+                          <a:spcPct val="100000"/>
+                        </a:lnSpc>
+                        <a:spcBef>
+                          <a:spcPts val="0"/>
+                        </a:spcBef>
+                        <a:spcAft>
+                          <a:spcPts val="0"/>
+                        </a:spcAft>
+                        <a:buClrTx/>
+                        <a:buSzTx/>
+                        <a:buFontTx/>
+                        <a:buNone/>
+                        <a:tabLst/>
+                        <a:defRPr/>
+                      </a:pPr>
+                      <a:r>
+                        <a:rPr lang="en-US" sz="1000" b="0" kern="1200" dirty="0" err="1">
+                          <a:solidFill>
+                            <a:schemeClr val="tx1"/>
+                          </a:solidFill>
+                        </a:rPr>
+                        <a:t>unit_price</a:t>
+                      </a:r>
+                      <a:endParaRPr lang="en-US" sz="1000" b="0" kern="1200" dirty="0">
+                        <a:solidFill>
+                          <a:schemeClr val="tx1"/>
+                        </a:solidFill>
+                        <a:latin typeface="+mn-lt"/>
+                        <a:ea typeface="+mn-ea"/>
+                        <a:cs typeface="+mn-cs"/>
+                      </a:endParaRPr>
+                    </a:p>
+                  </a:txBody>
+                  <a:tcPr/>
+                </a:tc>
+                <a:tc>
+                  <a:txBody>
+                    <a:bodyPr/>
+                    <a:lstStyle/>
+                    <a:p>
+                      <a:pPr marL="0" marR="0" lvl="0" indent="0" algn="l" defTabSz="684508" rtl="0" eaLnBrk="1" fontAlgn="auto" latinLnBrk="0" hangingPunct="1">
+                        <a:lnSpc>
+                          <a:spcPct val="100000"/>
+                        </a:lnSpc>
+                        <a:spcBef>
+                          <a:spcPts val="0"/>
+                        </a:spcBef>
+                        <a:spcAft>
+                          <a:spcPts val="0"/>
+                        </a:spcAft>
+                        <a:buClrTx/>
+                        <a:buSzTx/>
+                        <a:buFontTx/>
+                        <a:buNone/>
+                        <a:tabLst/>
+                        <a:defRPr/>
+                      </a:pPr>
+                      <a:r>
+                        <a:rPr lang="en-US" sz="1000" b="0" kern="1200" dirty="0" err="1">
+                          <a:solidFill>
+                            <a:schemeClr val="tx1"/>
+                          </a:solidFill>
+                        </a:rPr>
+                        <a:t>coupon_percent</a:t>
+                      </a:r>
+                      <a:endParaRPr lang="en-US" sz="1000" b="0" kern="1200" dirty="0">
+                        <a:solidFill>
+                          <a:schemeClr val="tx1"/>
+                        </a:solidFill>
+                        <a:latin typeface="+mn-lt"/>
+                        <a:ea typeface="+mn-ea"/>
+                        <a:cs typeface="+mn-cs"/>
+                      </a:endParaRPr>
+                    </a:p>
+                  </a:txBody>
+                  <a:tcPr/>
+                </a:tc>
+                <a:tc>
+                  <a:txBody>
+                    <a:bodyPr/>
+                    <a:lstStyle/>
+                    <a:p>
+                      <a:pPr marL="0" marR="0" lvl="0" indent="0" algn="l" defTabSz="684508" rtl="0" eaLnBrk="1" fontAlgn="auto" latinLnBrk="0" hangingPunct="1">
+                        <a:lnSpc>
+                          <a:spcPct val="100000"/>
+                        </a:lnSpc>
+                        <a:spcBef>
+                          <a:spcPts val="0"/>
+                        </a:spcBef>
+                        <a:spcAft>
+                          <a:spcPts val="0"/>
+                        </a:spcAft>
+                        <a:buClrTx/>
+                        <a:buSzTx/>
+                        <a:buFontTx/>
+                        <a:buNone/>
+                        <a:tabLst/>
+                        <a:defRPr/>
+                      </a:pPr>
+                      <a:r>
+                        <a:rPr lang="en-US" sz="1000" b="0" kern="1200" dirty="0">
+                          <a:solidFill>
+                            <a:schemeClr val="tx1"/>
+                          </a:solidFill>
+                        </a:rPr>
+                        <a:t>bond currency</a:t>
+                      </a:r>
+                      <a:endParaRPr lang="en-US" sz="1000" b="0" kern="1200" dirty="0">
+                        <a:solidFill>
+                          <a:schemeClr val="tx1"/>
+                        </a:solidFill>
+                        <a:latin typeface="+mn-lt"/>
+                        <a:ea typeface="+mn-ea"/>
+                        <a:cs typeface="+mn-cs"/>
+                      </a:endParaRPr>
+                    </a:p>
+                  </a:txBody>
+                  <a:tcPr/>
+                </a:tc>
+                <a:extLst>
+                  <a:ext uri="{0D108BD9-81ED-4DB2-BD59-A6C34878D82A}">
+                    <a16:rowId xmlns:a16="http://schemas.microsoft.com/office/drawing/2014/main" val="1972802761"/>
+                  </a:ext>
+                </a:extLst>
+              </a:tr>
+              <a:tr h="455255">
+                <a:tc>
+                  <a:txBody>
+                    <a:bodyPr/>
+                    <a:lstStyle/>
+                    <a:p>
+                      <a:pPr marL="0" marR="0" lvl="0" indent="0" algn="l" defTabSz="684508" rtl="0" eaLnBrk="1" fontAlgn="auto" latinLnBrk="0" hangingPunct="1">
+                        <a:lnSpc>
+                          <a:spcPct val="100000"/>
+                        </a:lnSpc>
+                        <a:spcBef>
+                          <a:spcPts val="0"/>
+                        </a:spcBef>
+                        <a:spcAft>
+                          <a:spcPts val="0"/>
+                        </a:spcAft>
+                        <a:buClrTx/>
+                        <a:buSzTx/>
+                        <a:buFontTx/>
+                        <a:buNone/>
+                        <a:tabLst/>
+                        <a:defRPr/>
+                      </a:pPr>
+                      <a:r>
+                        <a:rPr lang="en-US" sz="1000" b="0" kern="1200" dirty="0" err="1">
+                          <a:solidFill>
+                            <a:schemeClr val="tx1"/>
+                          </a:solidFill>
+                        </a:rPr>
+                        <a:t>cusip</a:t>
+                      </a:r>
+                      <a:endParaRPr lang="en-US" sz="1000" b="0" kern="1200" dirty="0">
+                        <a:solidFill>
+                          <a:schemeClr val="tx1"/>
+                        </a:solidFill>
+                        <a:latin typeface="+mn-lt"/>
+                        <a:ea typeface="+mn-ea"/>
+                        <a:cs typeface="+mn-cs"/>
+                      </a:endParaRPr>
+                    </a:p>
+                  </a:txBody>
+                  <a:tcPr/>
+                </a:tc>
+                <a:tc>
+                  <a:txBody>
+                    <a:bodyPr/>
+                    <a:lstStyle/>
+                    <a:p>
+                      <a:pPr marL="0" marR="0" lvl="0" indent="0" algn="l" defTabSz="684508" rtl="0" eaLnBrk="1" fontAlgn="auto" latinLnBrk="0" hangingPunct="1">
+                        <a:lnSpc>
+                          <a:spcPct val="100000"/>
+                        </a:lnSpc>
+                        <a:spcBef>
+                          <a:spcPts val="0"/>
+                        </a:spcBef>
+                        <a:spcAft>
+                          <a:spcPts val="0"/>
+                        </a:spcAft>
+                        <a:buClrTx/>
+                        <a:buSzTx/>
+                        <a:buFontTx/>
+                        <a:buNone/>
+                        <a:tabLst/>
+                        <a:defRPr/>
+                      </a:pPr>
+                      <a:r>
+                        <a:rPr lang="en-US" sz="1000" b="0" kern="1200" dirty="0" err="1">
+                          <a:solidFill>
+                            <a:schemeClr val="tx1"/>
+                          </a:solidFill>
+                        </a:rPr>
+                        <a:t>isin</a:t>
+                      </a:r>
+                      <a:endParaRPr lang="en-US" sz="1000" b="0" kern="1200" dirty="0">
+                        <a:solidFill>
+                          <a:schemeClr val="tx1"/>
+                        </a:solidFill>
+                        <a:latin typeface="+mn-lt"/>
+                        <a:ea typeface="+mn-ea"/>
+                        <a:cs typeface="+mn-cs"/>
+                      </a:endParaRPr>
+                    </a:p>
+                  </a:txBody>
+                  <a:tcPr/>
+                </a:tc>
+                <a:tc>
+                  <a:txBody>
+                    <a:bodyPr/>
+                    <a:lstStyle/>
+                    <a:p>
+                      <a:pPr marL="0" marR="0" lvl="0" indent="0" algn="l" defTabSz="684508" rtl="0" eaLnBrk="1" fontAlgn="auto" latinLnBrk="0" hangingPunct="1">
+                        <a:lnSpc>
+                          <a:spcPct val="100000"/>
+                        </a:lnSpc>
+                        <a:spcBef>
+                          <a:spcPts val="0"/>
+                        </a:spcBef>
+                        <a:spcAft>
+                          <a:spcPts val="0"/>
+                        </a:spcAft>
+                        <a:buClrTx/>
+                        <a:buSzTx/>
+                        <a:buFontTx/>
+                        <a:buNone/>
+                        <a:tabLst/>
+                        <a:defRPr/>
+                      </a:pPr>
+                      <a:r>
+                        <a:rPr lang="en-US" sz="1000" b="0" kern="1200" dirty="0" err="1">
+                          <a:solidFill>
+                            <a:schemeClr val="tx1"/>
+                          </a:solidFill>
+                        </a:rPr>
+                        <a:t>face_value</a:t>
+                      </a:r>
+                      <a:r>
+                        <a:rPr lang="en-US" sz="1000" b="0" kern="1200" dirty="0">
+                          <a:solidFill>
+                            <a:schemeClr val="tx1"/>
+                          </a:solidFill>
+                        </a:rPr>
+                        <a:t>(</a:t>
+                      </a:r>
+                      <a:r>
+                        <a:rPr lang="en-US" sz="1000" b="0" kern="1200" dirty="0" err="1">
+                          <a:solidFill>
+                            <a:schemeClr val="tx1"/>
+                          </a:solidFill>
+                        </a:rPr>
+                        <a:t>mn</a:t>
+                      </a:r>
+                      <a:r>
+                        <a:rPr lang="en-US" sz="1000" b="0" kern="1200" dirty="0">
+                          <a:solidFill>
+                            <a:schemeClr val="tx1"/>
+                          </a:solidFill>
+                        </a:rPr>
+                        <a:t>)</a:t>
+                      </a:r>
+                      <a:endParaRPr lang="en-US" sz="1000" b="0" kern="1200" dirty="0">
+                        <a:solidFill>
+                          <a:schemeClr val="tx1"/>
+                        </a:solidFill>
+                        <a:latin typeface="+mn-lt"/>
+                        <a:ea typeface="+mn-ea"/>
+                        <a:cs typeface="+mn-cs"/>
+                      </a:endParaRPr>
+                    </a:p>
+                  </a:txBody>
+                  <a:tcPr/>
+                </a:tc>
+                <a:extLst>
+                  <a:ext uri="{0D108BD9-81ED-4DB2-BD59-A6C34878D82A}">
+                    <a16:rowId xmlns:a16="http://schemas.microsoft.com/office/drawing/2014/main" val="2320560878"/>
+                  </a:ext>
+                </a:extLst>
+              </a:tr>
+              <a:tr h="455255">
+                <a:tc>
+                  <a:txBody>
+                    <a:bodyPr/>
+                    <a:lstStyle/>
+                    <a:p>
+                      <a:pPr marL="0" marR="0" lvl="0" indent="0" algn="l" defTabSz="684508" rtl="0" eaLnBrk="1" fontAlgn="auto" latinLnBrk="0" hangingPunct="1">
+                        <a:lnSpc>
+                          <a:spcPct val="100000"/>
+                        </a:lnSpc>
+                        <a:spcBef>
+                          <a:spcPts val="0"/>
+                        </a:spcBef>
+                        <a:spcAft>
+                          <a:spcPts val="0"/>
+                        </a:spcAft>
+                        <a:buClrTx/>
+                        <a:buSzTx/>
+                        <a:buFontTx/>
+                        <a:buNone/>
+                        <a:tabLst/>
+                        <a:defRPr/>
+                      </a:pPr>
+                      <a:r>
+                        <a:rPr lang="en-US" sz="1000" b="0" kern="1200" dirty="0" err="1">
+                          <a:solidFill>
+                            <a:schemeClr val="tx1"/>
+                          </a:solidFill>
+                        </a:rPr>
+                        <a:t>suer_name</a:t>
+                      </a:r>
+                      <a:endParaRPr lang="en-US" sz="1000" b="0" kern="1200" dirty="0">
+                        <a:solidFill>
+                          <a:schemeClr val="tx1"/>
+                        </a:solidFill>
+                        <a:latin typeface="+mn-lt"/>
+                        <a:ea typeface="+mn-ea"/>
+                        <a:cs typeface="+mn-cs"/>
+                      </a:endParaRPr>
+                    </a:p>
+                  </a:txBody>
+                  <a:tcPr/>
+                </a:tc>
+                <a:tc>
+                  <a:txBody>
+                    <a:bodyPr/>
+                    <a:lstStyle/>
+                    <a:p>
+                      <a:pPr marL="0" marR="0" lvl="0" indent="0" algn="l" defTabSz="684508" rtl="0" eaLnBrk="1" fontAlgn="auto" latinLnBrk="0" hangingPunct="1">
+                        <a:lnSpc>
+                          <a:spcPct val="100000"/>
+                        </a:lnSpc>
+                        <a:spcBef>
+                          <a:spcPts val="0"/>
+                        </a:spcBef>
+                        <a:spcAft>
+                          <a:spcPts val="0"/>
+                        </a:spcAft>
+                        <a:buClrTx/>
+                        <a:buSzTx/>
+                        <a:buFontTx/>
+                        <a:buNone/>
+                        <a:tabLst/>
+                        <a:defRPr/>
+                      </a:pPr>
+                      <a:r>
+                        <a:rPr lang="en-US" sz="1000" b="0" kern="1200" dirty="0" err="1">
+                          <a:solidFill>
+                            <a:schemeClr val="tx1"/>
+                          </a:solidFill>
+                        </a:rPr>
+                        <a:t>bond_maturity_date</a:t>
+                      </a:r>
+                      <a:endParaRPr lang="en-US" sz="1000" b="0" kern="1200" dirty="0">
+                        <a:solidFill>
+                          <a:schemeClr val="tx1"/>
+                        </a:solidFill>
+                        <a:latin typeface="+mn-lt"/>
+                        <a:ea typeface="+mn-ea"/>
+                        <a:cs typeface="+mn-cs"/>
+                      </a:endParaRPr>
+                    </a:p>
+                  </a:txBody>
+                  <a:tcPr/>
+                </a:tc>
+                <a:tc>
+                  <a:txBody>
+                    <a:bodyPr/>
+                    <a:lstStyle/>
+                    <a:p>
+                      <a:pPr marL="0" marR="0" lvl="0" indent="0" algn="l" defTabSz="684508" rtl="0" eaLnBrk="1" fontAlgn="auto" latinLnBrk="0" hangingPunct="1">
+                        <a:lnSpc>
+                          <a:spcPct val="100000"/>
+                        </a:lnSpc>
+                        <a:spcBef>
+                          <a:spcPts val="0"/>
+                        </a:spcBef>
+                        <a:spcAft>
+                          <a:spcPts val="0"/>
+                        </a:spcAft>
+                        <a:buClrTx/>
+                        <a:buSzTx/>
+                        <a:buFontTx/>
+                        <a:buNone/>
+                        <a:tabLst/>
+                        <a:defRPr/>
+                      </a:pPr>
+                      <a:r>
+                        <a:rPr lang="en-US" sz="1000" b="0" kern="1200" dirty="0">
+                          <a:solidFill>
+                            <a:schemeClr val="tx1"/>
+                          </a:solidFill>
+                        </a:rPr>
+                        <a:t>status</a:t>
+                      </a:r>
+                      <a:endParaRPr lang="en-US" sz="1000" b="0" kern="1200" dirty="0">
+                        <a:solidFill>
+                          <a:schemeClr val="tx1"/>
+                        </a:solidFill>
+                        <a:latin typeface="+mn-lt"/>
+                        <a:ea typeface="+mn-ea"/>
+                        <a:cs typeface="+mn-cs"/>
+                      </a:endParaRPr>
+                    </a:p>
+                  </a:txBody>
+                  <a:tcPr/>
+                </a:tc>
+                <a:extLst>
+                  <a:ext uri="{0D108BD9-81ED-4DB2-BD59-A6C34878D82A}">
+                    <a16:rowId xmlns:a16="http://schemas.microsoft.com/office/drawing/2014/main" val="4084259541"/>
+                  </a:ext>
+                </a:extLst>
+              </a:tr>
+              <a:tr h="455255">
+                <a:tc>
+                  <a:txBody>
+                    <a:bodyPr/>
+                    <a:lstStyle/>
+                    <a:p>
+                      <a:pPr marL="0" marR="0" lvl="0" indent="0" algn="l" defTabSz="684508" rtl="0" eaLnBrk="1" fontAlgn="auto" latinLnBrk="0" hangingPunct="1">
+                        <a:lnSpc>
+                          <a:spcPct val="100000"/>
+                        </a:lnSpc>
+                        <a:spcBef>
+                          <a:spcPts val="0"/>
+                        </a:spcBef>
+                        <a:spcAft>
+                          <a:spcPts val="0"/>
+                        </a:spcAft>
+                        <a:buClrTx/>
+                        <a:buSzTx/>
+                        <a:buFontTx/>
+                        <a:buNone/>
+                        <a:tabLst/>
+                        <a:defRPr/>
+                      </a:pPr>
+                      <a:r>
+                        <a:rPr lang="en-US" sz="1000" b="0" kern="1200" dirty="0">
+                          <a:solidFill>
+                            <a:schemeClr val="tx1"/>
+                          </a:solidFill>
+                        </a:rPr>
+                        <a:t>type</a:t>
+                      </a:r>
+                      <a:endParaRPr lang="en-US" sz="1000" b="0" kern="1200" dirty="0">
+                        <a:solidFill>
+                          <a:schemeClr val="tx1"/>
+                        </a:solidFill>
+                        <a:latin typeface="+mn-lt"/>
+                        <a:ea typeface="+mn-ea"/>
+                        <a:cs typeface="+mn-cs"/>
+                      </a:endParaRPr>
+                    </a:p>
+                  </a:txBody>
+                  <a:tcPr/>
+                </a:tc>
+                <a:tc>
+                  <a:txBody>
+                    <a:bodyPr/>
+                    <a:lstStyle/>
+                    <a:p>
+                      <a:pPr marL="0" marR="0" lvl="0" indent="0" algn="l" defTabSz="684508" rtl="0" eaLnBrk="1" fontAlgn="auto" latinLnBrk="0" hangingPunct="1">
+                        <a:lnSpc>
+                          <a:spcPct val="100000"/>
+                        </a:lnSpc>
+                        <a:spcBef>
+                          <a:spcPts val="0"/>
+                        </a:spcBef>
+                        <a:spcAft>
+                          <a:spcPts val="0"/>
+                        </a:spcAft>
+                        <a:buClrTx/>
+                        <a:buSzTx/>
+                        <a:buFontTx/>
+                        <a:buNone/>
+                        <a:tabLst/>
+                        <a:defRPr/>
+                      </a:pPr>
+                      <a:r>
+                        <a:rPr lang="en-US" sz="1000" b="0" kern="1200" dirty="0" err="1">
+                          <a:solidFill>
+                            <a:schemeClr val="tx1"/>
+                          </a:solidFill>
+                        </a:rPr>
+                        <a:t>book_name</a:t>
+                      </a:r>
+                      <a:endParaRPr lang="en-US" sz="1000" b="0" kern="1200" dirty="0">
+                        <a:solidFill>
+                          <a:schemeClr val="tx1"/>
+                        </a:solidFill>
+                        <a:latin typeface="+mn-lt"/>
+                        <a:ea typeface="+mn-ea"/>
+                        <a:cs typeface="+mn-cs"/>
+                      </a:endParaRPr>
+                    </a:p>
+                  </a:txBody>
+                  <a:tcPr/>
+                </a:tc>
+                <a:tc>
+                  <a:txBody>
+                    <a:bodyPr/>
+                    <a:lstStyle/>
+                    <a:p>
+                      <a:pPr marL="0" marR="0" lvl="0" indent="0" algn="l" defTabSz="684508" rtl="0" eaLnBrk="1" fontAlgn="auto" latinLnBrk="0" hangingPunct="1">
+                        <a:lnSpc>
+                          <a:spcPct val="100000"/>
+                        </a:lnSpc>
+                        <a:spcBef>
+                          <a:spcPts val="0"/>
+                        </a:spcBef>
+                        <a:spcAft>
+                          <a:spcPts val="0"/>
+                        </a:spcAft>
+                        <a:buClrTx/>
+                        <a:buSzTx/>
+                        <a:buFontTx/>
+                        <a:buNone/>
+                        <a:tabLst/>
+                        <a:defRPr/>
+                      </a:pPr>
+                      <a:r>
+                        <a:rPr lang="en-US" sz="1000" b="0" kern="1200" dirty="0" err="1">
+                          <a:solidFill>
+                            <a:schemeClr val="tx1"/>
+                          </a:solidFill>
+                        </a:rPr>
+                        <a:t>bond_holder</a:t>
+                      </a:r>
+                      <a:endParaRPr lang="en-US" sz="1000" b="0" kern="1200" dirty="0">
+                        <a:solidFill>
+                          <a:schemeClr val="tx1"/>
+                        </a:solidFill>
+                        <a:latin typeface="+mn-lt"/>
+                        <a:ea typeface="+mn-ea"/>
+                        <a:cs typeface="+mn-cs"/>
+                      </a:endParaRPr>
+                    </a:p>
+                  </a:txBody>
+                  <a:tcPr/>
+                </a:tc>
+                <a:extLst>
+                  <a:ext uri="{0D108BD9-81ED-4DB2-BD59-A6C34878D82A}">
+                    <a16:rowId xmlns:a16="http://schemas.microsoft.com/office/drawing/2014/main" val="143265239"/>
+                  </a:ext>
+                </a:extLst>
+              </a:tr>
+            </a:tbl>
+          </a:graphicData>
+        </a:graphic>
+      </p:graphicFrame>
     </p:spTree>
     <p:extLst>
       <p:ext uri="{BB962C8B-B14F-4D97-AF65-F5344CB8AC3E}">
@@ -10984,7 +11394,7 @@
                 <a:latin typeface="+mn-lt"/>
                 <a:cs typeface="Arial" panose="020B0604020202020204" pitchFamily="34" charset="0"/>
               </a:rPr>
-              <a:t>Trades executed in +- 5 business days</a:t>
+              <a:t>Trades</a:t>
             </a:r>
           </a:p>
           <a:p>
